--- a/presentations/ExchangeSimulator2.pptx
+++ b/presentations/ExchangeSimulator2.pptx
@@ -5,13 +5,14 @@
     <p:sldMasterId id="2147483714" r:id="rId1"/>
   </p:sldMasterIdLst>
   <p:notesMasterIdLst>
-    <p:notesMasterId r:id="rId6"/>
+    <p:notesMasterId r:id="rId7"/>
   </p:notesMasterIdLst>
   <p:sldIdLst>
     <p:sldId id="256" r:id="rId2"/>
     <p:sldId id="257" r:id="rId3"/>
     <p:sldId id="258" r:id="rId4"/>
     <p:sldId id="259" r:id="rId5"/>
+    <p:sldId id="260" r:id="rId6"/>
   </p:sldIdLst>
   <p:sldSz cx="12192000" cy="6858000"/>
   <p:notesSz cx="6858000" cy="9144000"/>
@@ -7150,12 +7151,24 @@
               <a:t> total </a:t>
             </a:r>
             <a:r>
-              <a:rPr lang="de-DE"/>
-              <a:t>amoun</a:t>
-            </a:r>
-            <a:r>
-              <a:rPr lang="de-DE"/>
-              <a:t>t</a:t>
+              <a:rPr lang="de-DE" dirty="0" err="1"/>
+              <a:t>amount</a:t>
+            </a:r>
+            <a:r>
+              <a:rPr lang="de-DE" dirty="0"/>
+              <a:t> </a:t>
+            </a:r>
+            <a:r>
+              <a:rPr lang="de-DE" dirty="0" err="1"/>
+              <a:t>of</a:t>
+            </a:r>
+            <a:r>
+              <a:rPr lang="de-DE" dirty="0"/>
+              <a:t> </a:t>
+            </a:r>
+            <a:r>
+              <a:rPr lang="de-DE" dirty="0" err="1"/>
+              <a:t>shares</a:t>
             </a:r>
             <a:endParaRPr lang="de-DE" dirty="0"/>
           </a:p>
@@ -7191,6 +7204,203 @@
     <p:extLst>
       <p:ext uri="{BB962C8B-B14F-4D97-AF65-F5344CB8AC3E}">
         <p14:creationId xmlns:p14="http://schemas.microsoft.com/office/powerpoint/2010/main" val="3663555303"/>
+      </p:ext>
+    </p:extLst>
+  </p:cSld>
+  <p:clrMapOvr>
+    <a:masterClrMapping/>
+  </p:clrMapOvr>
+</p:sld>
+</file>
+
+<file path=ppt/slides/slide5.xml><?xml version="1.0" encoding="utf-8"?>
+<p:sld xmlns:a="http://schemas.openxmlformats.org/drawingml/2006/main" xmlns:r="http://schemas.openxmlformats.org/officeDocument/2006/relationships" xmlns:p="http://schemas.openxmlformats.org/presentationml/2006/main">
+  <p:cSld>
+    <p:spTree>
+      <p:nvGrpSpPr>
+        <p:cNvPr id="1" name=""/>
+        <p:cNvGrpSpPr/>
+        <p:nvPr/>
+      </p:nvGrpSpPr>
+      <p:grpSpPr>
+        <a:xfrm>
+          <a:off x="0" y="0"/>
+          <a:ext cx="0" cy="0"/>
+          <a:chOff x="0" y="0"/>
+          <a:chExt cx="0" cy="0"/>
+        </a:xfrm>
+      </p:grpSpPr>
+      <p:sp>
+        <p:nvSpPr>
+          <p:cNvPr id="2" name="Titel 1"/>
+          <p:cNvSpPr>
+            <a:spLocks noGrp="1"/>
+          </p:cNvSpPr>
+          <p:nvPr>
+            <p:ph type="title"/>
+          </p:nvPr>
+        </p:nvSpPr>
+        <p:spPr/>
+        <p:txBody>
+          <a:bodyPr/>
+          <a:lstStyle/>
+          <a:p>
+            <a:r>
+              <a:rPr lang="de-DE" dirty="0" err="1"/>
+              <a:t>Matching</a:t>
+            </a:r>
+            <a:r>
+              <a:rPr lang="de-DE" dirty="0"/>
+              <a:t> </a:t>
+            </a:r>
+            <a:r>
+              <a:rPr lang="de-DE" dirty="0" err="1"/>
+              <a:t>Algorithm</a:t>
+            </a:r>
+            <a:endParaRPr lang="de-DE" dirty="0"/>
+          </a:p>
+        </p:txBody>
+      </p:sp>
+      <p:sp>
+        <p:nvSpPr>
+          <p:cNvPr id="3" name="Inhaltsplatzhalter 2"/>
+          <p:cNvSpPr>
+            <a:spLocks noGrp="1"/>
+          </p:cNvSpPr>
+          <p:nvPr>
+            <p:ph idx="1"/>
+          </p:nvPr>
+        </p:nvSpPr>
+        <p:spPr/>
+        <p:txBody>
+          <a:bodyPr/>
+          <a:lstStyle/>
+          <a:p>
+            <a:r>
+              <a:rPr lang="de-DE" dirty="0"/>
+              <a:t>Input: </a:t>
+            </a:r>
+            <a:r>
+              <a:rPr lang="de-DE" dirty="0" err="1"/>
+              <a:t>two</a:t>
+            </a:r>
+            <a:r>
+              <a:rPr lang="de-DE" dirty="0"/>
+              <a:t> </a:t>
+            </a:r>
+            <a:r>
+              <a:rPr lang="de-DE" dirty="0" err="1"/>
+              <a:t>lists</a:t>
+            </a:r>
+            <a:r>
+              <a:rPr lang="de-DE" dirty="0"/>
+              <a:t>; </a:t>
+            </a:r>
+            <a:r>
+              <a:rPr lang="de-DE" dirty="0" err="1"/>
+              <a:t>buyer</a:t>
+            </a:r>
+            <a:r>
+              <a:rPr lang="de-DE" dirty="0"/>
+              <a:t> </a:t>
+            </a:r>
+            <a:r>
+              <a:rPr lang="de-DE" dirty="0" err="1"/>
+              <a:t>and</a:t>
+            </a:r>
+            <a:r>
+              <a:rPr lang="de-DE" dirty="0"/>
+              <a:t> </a:t>
+            </a:r>
+            <a:r>
+              <a:rPr lang="de-DE" dirty="0" err="1"/>
+              <a:t>seller</a:t>
+            </a:r>
+            <a:endParaRPr lang="de-DE" dirty="0"/>
+          </a:p>
+          <a:p>
+            <a:r>
+              <a:rPr lang="de-DE" dirty="0"/>
+              <a:t>Outputs a </a:t>
+            </a:r>
+            <a:r>
+              <a:rPr lang="de-DE" dirty="0" err="1"/>
+              <a:t>matrix</a:t>
+            </a:r>
+            <a:r>
+              <a:rPr lang="de-DE" dirty="0"/>
+              <a:t> </a:t>
+            </a:r>
+            <a:r>
+              <a:rPr lang="de-DE" dirty="0" err="1"/>
+              <a:t>buyer</a:t>
+            </a:r>
+            <a:r>
+              <a:rPr lang="de-DE" dirty="0"/>
+              <a:t> x </a:t>
+            </a:r>
+            <a:r>
+              <a:rPr lang="de-DE" dirty="0" err="1"/>
+              <a:t>seller</a:t>
+            </a:r>
+            <a:endParaRPr lang="de-DE" dirty="0"/>
+          </a:p>
+          <a:p>
+            <a:r>
+              <a:rPr lang="de-DE" dirty="0" err="1"/>
+              <a:t>Contains</a:t>
+            </a:r>
+            <a:r>
+              <a:rPr lang="de-DE" dirty="0"/>
+              <a:t> </a:t>
+            </a:r>
+            <a:r>
+              <a:rPr lang="de-DE" dirty="0" err="1"/>
+              <a:t>the</a:t>
+            </a:r>
+            <a:r>
+              <a:rPr lang="de-DE" dirty="0"/>
+              <a:t> </a:t>
+            </a:r>
+            <a:r>
+              <a:rPr lang="de-DE" dirty="0" err="1"/>
+              <a:t>shares</a:t>
+            </a:r>
+            <a:r>
+              <a:rPr lang="de-DE" dirty="0"/>
+              <a:t> </a:t>
+            </a:r>
+            <a:r>
+              <a:rPr lang="de-DE" dirty="0" err="1"/>
+              <a:t>which</a:t>
+            </a:r>
+            <a:r>
+              <a:rPr lang="de-DE" dirty="0"/>
+              <a:t> </a:t>
+            </a:r>
+            <a:r>
+              <a:rPr lang="de-DE" dirty="0" err="1"/>
+              <a:t>are</a:t>
+            </a:r>
+            <a:r>
+              <a:rPr lang="de-DE" dirty="0"/>
+              <a:t> </a:t>
+            </a:r>
+            <a:r>
+              <a:rPr lang="de-DE" dirty="0" err="1"/>
+              <a:t>traded</a:t>
+            </a:r>
+            <a:r>
+              <a:rPr lang="de-DE" dirty="0"/>
+              <a:t> </a:t>
+            </a:r>
+          </a:p>
+        </p:txBody>
+      </p:sp>
+    </p:spTree>
+    <p:extLst>
+      <p:ext uri="{BB962C8B-B14F-4D97-AF65-F5344CB8AC3E}">
+        <p14:creationId xmlns:p14="http://schemas.microsoft.com/office/powerpoint/2010/main" val="2980640408"/>
       </p:ext>
     </p:extLst>
   </p:cSld>

--- a/presentations/ExchangeSimulator2.pptx
+++ b/presentations/ExchangeSimulator2.pptx
@@ -5,14 +5,28 @@
     <p:sldMasterId id="2147483714" r:id="rId1"/>
   </p:sldMasterIdLst>
   <p:notesMasterIdLst>
-    <p:notesMasterId r:id="rId7"/>
+    <p:notesMasterId r:id="rId21"/>
   </p:notesMasterIdLst>
   <p:sldIdLst>
     <p:sldId id="256" r:id="rId2"/>
     <p:sldId id="257" r:id="rId3"/>
     <p:sldId id="258" r:id="rId4"/>
-    <p:sldId id="259" r:id="rId5"/>
-    <p:sldId id="260" r:id="rId6"/>
+    <p:sldId id="262" r:id="rId5"/>
+    <p:sldId id="261" r:id="rId6"/>
+    <p:sldId id="268" r:id="rId7"/>
+    <p:sldId id="271" r:id="rId8"/>
+    <p:sldId id="273" r:id="rId9"/>
+    <p:sldId id="263" r:id="rId10"/>
+    <p:sldId id="264" r:id="rId11"/>
+    <p:sldId id="269" r:id="rId12"/>
+    <p:sldId id="272" r:id="rId13"/>
+    <p:sldId id="265" r:id="rId14"/>
+    <p:sldId id="266" r:id="rId15"/>
+    <p:sldId id="270" r:id="rId16"/>
+    <p:sldId id="274" r:id="rId17"/>
+    <p:sldId id="259" r:id="rId18"/>
+    <p:sldId id="260" r:id="rId19"/>
+    <p:sldId id="267" r:id="rId20"/>
   </p:sldIdLst>
   <p:sldSz cx="12192000" cy="6858000"/>
   <p:notesSz cx="6858000" cy="9144000"/>
@@ -6818,6 +6832,1376 @@
 </p:sld>
 </file>
 
+<file path=ppt/slides/slide10.xml><?xml version="1.0" encoding="utf-8"?>
+<p:sld xmlns:a="http://schemas.openxmlformats.org/drawingml/2006/main" xmlns:r="http://schemas.openxmlformats.org/officeDocument/2006/relationships" xmlns:p="http://schemas.openxmlformats.org/presentationml/2006/main">
+  <p:cSld>
+    <p:spTree>
+      <p:nvGrpSpPr>
+        <p:cNvPr id="1" name=""/>
+        <p:cNvGrpSpPr/>
+        <p:nvPr/>
+      </p:nvGrpSpPr>
+      <p:grpSpPr>
+        <a:xfrm>
+          <a:off x="0" y="0"/>
+          <a:ext cx="0" cy="0"/>
+          <a:chOff x="0" y="0"/>
+          <a:chExt cx="0" cy="0"/>
+        </a:xfrm>
+      </p:grpSpPr>
+      <p:sp>
+        <p:nvSpPr>
+          <p:cNvPr id="2" name="Title 1"/>
+          <p:cNvSpPr>
+            <a:spLocks noGrp="1"/>
+          </p:cNvSpPr>
+          <p:nvPr>
+            <p:ph type="title"/>
+          </p:nvPr>
+        </p:nvSpPr>
+        <p:spPr/>
+        <p:txBody>
+          <a:bodyPr>
+            <a:normAutofit/>
+          </a:bodyPr>
+          <a:lstStyle/>
+          <a:p>
+            <a:r>
+              <a:rPr lang="en-US" sz="3200" dirty="0"/>
+              <a:t>Functional Requirements</a:t>
+            </a:r>
+          </a:p>
+        </p:txBody>
+      </p:sp>
+      <p:sp>
+        <p:nvSpPr>
+          <p:cNvPr id="3" name="Content Placeholder 2"/>
+          <p:cNvSpPr>
+            <a:spLocks noGrp="1"/>
+          </p:cNvSpPr>
+          <p:nvPr>
+            <p:ph idx="1"/>
+          </p:nvPr>
+        </p:nvSpPr>
+        <p:spPr/>
+        <p:txBody>
+          <a:bodyPr>
+            <a:normAutofit fontScale="62500" lnSpcReduction="20000"/>
+          </a:bodyPr>
+          <a:lstStyle/>
+          <a:p>
+            <a:r>
+              <a:rPr lang="en-US" strike="sngStrike" dirty="0"/>
+              <a:t>Order</a:t>
+            </a:r>
+          </a:p>
+          <a:p>
+            <a:r>
+              <a:rPr lang="en-US" strike="sngStrike" dirty="0"/>
+              <a:t>Execution</a:t>
+            </a:r>
+          </a:p>
+          <a:p>
+            <a:r>
+              <a:rPr lang="en-US" strike="sngStrike" dirty="0"/>
+              <a:t>Stock universe</a:t>
+            </a:r>
+          </a:p>
+          <a:p>
+            <a:r>
+              <a:rPr lang="en-US" strike="sngStrike" dirty="0"/>
+              <a:t>Lot size</a:t>
+            </a:r>
+          </a:p>
+          <a:p>
+            <a:r>
+              <a:rPr lang="en-US" strike="sngStrike" dirty="0"/>
+              <a:t>Tick size</a:t>
+            </a:r>
+          </a:p>
+          <a:p>
+            <a:r>
+              <a:rPr lang="en-US" strike="sngStrike" dirty="0"/>
+              <a:t>Trading schedule</a:t>
+            </a:r>
+          </a:p>
+          <a:p>
+            <a:r>
+              <a:rPr lang="en-US" dirty="0"/>
+              <a:t>Matching mechanisms</a:t>
+            </a:r>
+          </a:p>
+          <a:p>
+            <a:r>
+              <a:rPr lang="en-US" dirty="0"/>
+              <a:t>Stock data publishing</a:t>
+            </a:r>
+          </a:p>
+          <a:p>
+            <a:r>
+              <a:rPr lang="en-US" strike="sngStrike" dirty="0">
+                <a:solidFill>
+                  <a:srgbClr val="FF0000"/>
+                </a:solidFill>
+              </a:rPr>
+              <a:t>Order and execution reporting</a:t>
+            </a:r>
+          </a:p>
+          <a:p>
+            <a:r>
+              <a:rPr lang="en-US" strike="sngStrike" dirty="0"/>
+              <a:t>Exchange members</a:t>
+            </a:r>
+          </a:p>
+          <a:p>
+            <a:endParaRPr lang="en-US" dirty="0"/>
+          </a:p>
+        </p:txBody>
+      </p:sp>
+    </p:spTree>
+    <p:extLst>
+      <p:ext uri="{BB962C8B-B14F-4D97-AF65-F5344CB8AC3E}">
+        <p14:creationId xmlns:p14="http://schemas.microsoft.com/office/powerpoint/2010/main" val="633734957"/>
+      </p:ext>
+    </p:extLst>
+  </p:cSld>
+  <p:clrMapOvr>
+    <a:masterClrMapping/>
+  </p:clrMapOvr>
+</p:sld>
+</file>
+
+<file path=ppt/slides/slide11.xml><?xml version="1.0" encoding="utf-8"?>
+<p:sld xmlns:a="http://schemas.openxmlformats.org/drawingml/2006/main" xmlns:r="http://schemas.openxmlformats.org/officeDocument/2006/relationships" xmlns:p="http://schemas.openxmlformats.org/presentationml/2006/main">
+  <p:cSld>
+    <p:spTree>
+      <p:nvGrpSpPr>
+        <p:cNvPr id="1" name=""/>
+        <p:cNvGrpSpPr/>
+        <p:nvPr/>
+      </p:nvGrpSpPr>
+      <p:grpSpPr>
+        <a:xfrm>
+          <a:off x="0" y="0"/>
+          <a:ext cx="0" cy="0"/>
+          <a:chOff x="0" y="0"/>
+          <a:chExt cx="0" cy="0"/>
+        </a:xfrm>
+      </p:grpSpPr>
+      <p:sp>
+        <p:nvSpPr>
+          <p:cNvPr id="2" name="Title 1"/>
+          <p:cNvSpPr>
+            <a:spLocks noGrp="1"/>
+          </p:cNvSpPr>
+          <p:nvPr>
+            <p:ph type="title"/>
+          </p:nvPr>
+        </p:nvSpPr>
+        <p:spPr/>
+        <p:txBody>
+          <a:bodyPr>
+            <a:normAutofit/>
+          </a:bodyPr>
+          <a:lstStyle/>
+          <a:p>
+            <a:r>
+              <a:rPr lang="en-US" sz="3200" dirty="0"/>
+              <a:t>Functional Requirements</a:t>
+            </a:r>
+          </a:p>
+        </p:txBody>
+      </p:sp>
+      <p:sp>
+        <p:nvSpPr>
+          <p:cNvPr id="3" name="Content Placeholder 2"/>
+          <p:cNvSpPr>
+            <a:spLocks noGrp="1"/>
+          </p:cNvSpPr>
+          <p:nvPr>
+            <p:ph idx="1"/>
+          </p:nvPr>
+        </p:nvSpPr>
+        <p:spPr/>
+        <p:txBody>
+          <a:bodyPr>
+            <a:normAutofit fontScale="92500" lnSpcReduction="10000"/>
+          </a:bodyPr>
+          <a:lstStyle/>
+          <a:p>
+            <a:pPr lvl="1"/>
+            <a:r>
+              <a:rPr lang="en-US" strike="sngStrike" dirty="0"/>
+              <a:t>Preload a universe of well defined stocks</a:t>
+            </a:r>
+          </a:p>
+          <a:p>
+            <a:pPr lvl="1"/>
+            <a:r>
+              <a:rPr lang="en-US" dirty="0"/>
+              <a:t>Publish tradable stock list to members</a:t>
+            </a:r>
+          </a:p>
+          <a:p>
+            <a:pPr lvl="1"/>
+            <a:r>
+              <a:rPr lang="en-US" strike="sngStrike" dirty="0"/>
+              <a:t>System must have rules to ensure that orders will not be over executed, should be within price range of the original order.   </a:t>
+            </a:r>
+          </a:p>
+          <a:p>
+            <a:pPr lvl="1"/>
+            <a:r>
+              <a:rPr lang="en-US" strike="sngStrike" dirty="0"/>
+              <a:t>All transaction records must be kept for future query.</a:t>
+            </a:r>
+          </a:p>
+          <a:p>
+            <a:pPr lvl="1"/>
+            <a:r>
+              <a:rPr lang="en-US" strike="sngStrike" dirty="0"/>
+              <a:t>Calculate open price accurately.</a:t>
+            </a:r>
+          </a:p>
+          <a:p>
+            <a:pPr lvl="1"/>
+            <a:r>
+              <a:rPr lang="en-US" strike="sngStrike" dirty="0">
+                <a:solidFill>
+                  <a:srgbClr val="FF0000"/>
+                </a:solidFill>
+              </a:rPr>
+              <a:t>Has knowledge of the price of stock got executed last time, last trading day’s close price of each stock</a:t>
+            </a:r>
+          </a:p>
+          <a:p>
+            <a:endParaRPr lang="en-US" dirty="0"/>
+          </a:p>
+        </p:txBody>
+      </p:sp>
+    </p:spTree>
+    <p:extLst>
+      <p:ext uri="{BB962C8B-B14F-4D97-AF65-F5344CB8AC3E}">
+        <p14:creationId xmlns:p14="http://schemas.microsoft.com/office/powerpoint/2010/main" val="1808941470"/>
+      </p:ext>
+    </p:extLst>
+  </p:cSld>
+  <p:clrMapOvr>
+    <a:masterClrMapping/>
+  </p:clrMapOvr>
+</p:sld>
+</file>
+
+<file path=ppt/slides/slide12.xml><?xml version="1.0" encoding="utf-8"?>
+<p:sld xmlns:a="http://schemas.openxmlformats.org/drawingml/2006/main" xmlns:r="http://schemas.openxmlformats.org/officeDocument/2006/relationships" xmlns:p="http://schemas.openxmlformats.org/presentationml/2006/main">
+  <p:cSld>
+    <p:spTree>
+      <p:nvGrpSpPr>
+        <p:cNvPr id="1" name=""/>
+        <p:cNvGrpSpPr/>
+        <p:nvPr/>
+      </p:nvGrpSpPr>
+      <p:grpSpPr>
+        <a:xfrm>
+          <a:off x="0" y="0"/>
+          <a:ext cx="0" cy="0"/>
+          <a:chOff x="0" y="0"/>
+          <a:chExt cx="0" cy="0"/>
+        </a:xfrm>
+      </p:grpSpPr>
+      <p:sp>
+        <p:nvSpPr>
+          <p:cNvPr id="2" name="Title 1"/>
+          <p:cNvSpPr>
+            <a:spLocks noGrp="1"/>
+          </p:cNvSpPr>
+          <p:nvPr>
+            <p:ph type="title"/>
+          </p:nvPr>
+        </p:nvSpPr>
+        <p:spPr/>
+        <p:txBody>
+          <a:bodyPr>
+            <a:normAutofit/>
+          </a:bodyPr>
+          <a:lstStyle/>
+          <a:p>
+            <a:r>
+              <a:rPr lang="en-US" sz="3200" dirty="0"/>
+              <a:t>Functional Requirements</a:t>
+            </a:r>
+          </a:p>
+        </p:txBody>
+      </p:sp>
+      <p:sp>
+        <p:nvSpPr>
+          <p:cNvPr id="3" name="Content Placeholder 2"/>
+          <p:cNvSpPr>
+            <a:spLocks noGrp="1"/>
+          </p:cNvSpPr>
+          <p:nvPr>
+            <p:ph idx="1"/>
+          </p:nvPr>
+        </p:nvSpPr>
+        <p:spPr/>
+        <p:txBody>
+          <a:bodyPr>
+            <a:normAutofit fontScale="92500" lnSpcReduction="10000"/>
+          </a:bodyPr>
+          <a:lstStyle/>
+          <a:p>
+            <a:pPr lvl="1"/>
+            <a:r>
+              <a:rPr lang="en-US" strike="sngStrike" dirty="0"/>
+              <a:t>Accept orders with price in proper range, which means 10% away from last price.  Reject the rest orders with reason</a:t>
+            </a:r>
+          </a:p>
+          <a:p>
+            <a:pPr lvl="1"/>
+            <a:r>
+              <a:rPr lang="en-US" strike="sngStrike" dirty="0"/>
+              <a:t>Accept orders with notional value in proper range, which means within 20% of total tradable value of the target stock</a:t>
+            </a:r>
+          </a:p>
+          <a:p>
+            <a:pPr lvl="1"/>
+            <a:r>
+              <a:rPr lang="en-US" strike="sngStrike" dirty="0"/>
+              <a:t>Accept orders during auction, normal trading session.  Reject orders after close, before open.</a:t>
+            </a:r>
+          </a:p>
+          <a:p>
+            <a:pPr lvl="1"/>
+            <a:r>
+              <a:rPr lang="en-US" strike="sngStrike" dirty="0">
+                <a:solidFill>
+                  <a:srgbClr val="FF0000"/>
+                </a:solidFill>
+              </a:rPr>
+              <a:t>All communications should based on FIX4.2</a:t>
+            </a:r>
+          </a:p>
+          <a:p>
+            <a:pPr lvl="1"/>
+            <a:r>
+              <a:rPr lang="en-US" strike="sngStrike" dirty="0"/>
+              <a:t>Trading schedule should be configurable. For example, auction could start from 11:00am when required</a:t>
+            </a:r>
+          </a:p>
+          <a:p>
+            <a:endParaRPr lang="en-US" dirty="0"/>
+          </a:p>
+        </p:txBody>
+      </p:sp>
+    </p:spTree>
+    <p:extLst>
+      <p:ext uri="{BB962C8B-B14F-4D97-AF65-F5344CB8AC3E}">
+        <p14:creationId xmlns:p14="http://schemas.microsoft.com/office/powerpoint/2010/main" val="921968368"/>
+      </p:ext>
+    </p:extLst>
+  </p:cSld>
+  <p:clrMapOvr>
+    <a:masterClrMapping/>
+  </p:clrMapOvr>
+</p:sld>
+</file>
+
+<file path=ppt/slides/slide13.xml><?xml version="1.0" encoding="utf-8"?>
+<p:sld xmlns:a="http://schemas.openxmlformats.org/drawingml/2006/main" xmlns:r="http://schemas.openxmlformats.org/officeDocument/2006/relationships" xmlns:p="http://schemas.openxmlformats.org/presentationml/2006/main">
+  <p:cSld>
+    <p:spTree>
+      <p:nvGrpSpPr>
+        <p:cNvPr id="1" name=""/>
+        <p:cNvGrpSpPr/>
+        <p:nvPr/>
+      </p:nvGrpSpPr>
+      <p:grpSpPr>
+        <a:xfrm>
+          <a:off x="0" y="0"/>
+          <a:ext cx="0" cy="0"/>
+          <a:chOff x="0" y="0"/>
+          <a:chExt cx="0" cy="0"/>
+        </a:xfrm>
+      </p:grpSpPr>
+      <p:sp>
+        <p:nvSpPr>
+          <p:cNvPr id="2" name="Titel 1"/>
+          <p:cNvSpPr>
+            <a:spLocks noGrp="1"/>
+          </p:cNvSpPr>
+          <p:nvPr>
+            <p:ph type="title"/>
+          </p:nvPr>
+        </p:nvSpPr>
+        <p:spPr/>
+        <p:txBody>
+          <a:bodyPr/>
+          <a:lstStyle/>
+          <a:p>
+            <a:r>
+              <a:rPr lang="de-DE" dirty="0"/>
+              <a:t>GUI</a:t>
+            </a:r>
+          </a:p>
+        </p:txBody>
+      </p:sp>
+      <p:sp>
+        <p:nvSpPr>
+          <p:cNvPr id="3" name="Inhaltsplatzhalter 2"/>
+          <p:cNvSpPr>
+            <a:spLocks noGrp="1"/>
+          </p:cNvSpPr>
+          <p:nvPr>
+            <p:ph idx="1"/>
+          </p:nvPr>
+        </p:nvSpPr>
+        <p:spPr/>
+        <p:txBody>
+          <a:bodyPr/>
+          <a:lstStyle/>
+          <a:p>
+            <a:endParaRPr lang="de-DE"/>
+          </a:p>
+        </p:txBody>
+      </p:sp>
+    </p:spTree>
+    <p:extLst>
+      <p:ext uri="{BB962C8B-B14F-4D97-AF65-F5344CB8AC3E}">
+        <p14:creationId xmlns:p14="http://schemas.microsoft.com/office/powerpoint/2010/main" val="2430502408"/>
+      </p:ext>
+    </p:extLst>
+  </p:cSld>
+  <p:clrMapOvr>
+    <a:masterClrMapping/>
+  </p:clrMapOvr>
+</p:sld>
+</file>
+
+<file path=ppt/slides/slide14.xml><?xml version="1.0" encoding="utf-8"?>
+<p:sld xmlns:a="http://schemas.openxmlformats.org/drawingml/2006/main" xmlns:r="http://schemas.openxmlformats.org/officeDocument/2006/relationships" xmlns:p="http://schemas.openxmlformats.org/presentationml/2006/main">
+  <p:cSld>
+    <p:spTree>
+      <p:nvGrpSpPr>
+        <p:cNvPr id="1" name=""/>
+        <p:cNvGrpSpPr/>
+        <p:nvPr/>
+      </p:nvGrpSpPr>
+      <p:grpSpPr>
+        <a:xfrm>
+          <a:off x="0" y="0"/>
+          <a:ext cx="0" cy="0"/>
+          <a:chOff x="0" y="0"/>
+          <a:chExt cx="0" cy="0"/>
+        </a:xfrm>
+      </p:grpSpPr>
+      <p:sp>
+        <p:nvSpPr>
+          <p:cNvPr id="2" name="Title 1"/>
+          <p:cNvSpPr>
+            <a:spLocks noGrp="1"/>
+          </p:cNvSpPr>
+          <p:nvPr>
+            <p:ph type="title"/>
+          </p:nvPr>
+        </p:nvSpPr>
+        <p:spPr/>
+        <p:txBody>
+          <a:bodyPr>
+            <a:normAutofit/>
+          </a:bodyPr>
+          <a:lstStyle/>
+          <a:p>
+            <a:r>
+              <a:rPr lang="en-US" sz="3200" dirty="0"/>
+              <a:t>Functional Requirements</a:t>
+            </a:r>
+          </a:p>
+        </p:txBody>
+      </p:sp>
+      <p:sp>
+        <p:nvSpPr>
+          <p:cNvPr id="3" name="Content Placeholder 2"/>
+          <p:cNvSpPr>
+            <a:spLocks noGrp="1"/>
+          </p:cNvSpPr>
+          <p:nvPr>
+            <p:ph idx="1"/>
+          </p:nvPr>
+        </p:nvSpPr>
+        <p:spPr/>
+        <p:txBody>
+          <a:bodyPr>
+            <a:normAutofit fontScale="62500" lnSpcReduction="20000"/>
+          </a:bodyPr>
+          <a:lstStyle/>
+          <a:p>
+            <a:r>
+              <a:rPr lang="en-US" strike="sngStrike" dirty="0"/>
+              <a:t>Order</a:t>
+            </a:r>
+          </a:p>
+          <a:p>
+            <a:r>
+              <a:rPr lang="en-US" strike="sngStrike" dirty="0"/>
+              <a:t>Execution</a:t>
+            </a:r>
+          </a:p>
+          <a:p>
+            <a:r>
+              <a:rPr lang="en-US" strike="sngStrike" dirty="0"/>
+              <a:t>Stock universe</a:t>
+            </a:r>
+          </a:p>
+          <a:p>
+            <a:r>
+              <a:rPr lang="en-US" strike="sngStrike" dirty="0"/>
+              <a:t>Lot size</a:t>
+            </a:r>
+          </a:p>
+          <a:p>
+            <a:r>
+              <a:rPr lang="en-US" strike="sngStrike" dirty="0"/>
+              <a:t>Tick size</a:t>
+            </a:r>
+          </a:p>
+          <a:p>
+            <a:r>
+              <a:rPr lang="en-US" strike="sngStrike" dirty="0"/>
+              <a:t>Trading schedule</a:t>
+            </a:r>
+          </a:p>
+          <a:p>
+            <a:r>
+              <a:rPr lang="en-US" dirty="0"/>
+              <a:t>Matching mechanisms</a:t>
+            </a:r>
+          </a:p>
+          <a:p>
+            <a:r>
+              <a:rPr lang="en-US" strike="sngStrike" dirty="0">
+                <a:solidFill>
+                  <a:srgbClr val="FF0000"/>
+                </a:solidFill>
+              </a:rPr>
+              <a:t>Stock data publishing</a:t>
+            </a:r>
+          </a:p>
+          <a:p>
+            <a:r>
+              <a:rPr lang="en-US" strike="sngStrike" dirty="0"/>
+              <a:t>Order and execution reporting</a:t>
+            </a:r>
+          </a:p>
+          <a:p>
+            <a:r>
+              <a:rPr lang="en-US" strike="sngStrike" dirty="0"/>
+              <a:t>Exchange members</a:t>
+            </a:r>
+          </a:p>
+          <a:p>
+            <a:endParaRPr lang="en-US" dirty="0"/>
+          </a:p>
+        </p:txBody>
+      </p:sp>
+    </p:spTree>
+    <p:extLst>
+      <p:ext uri="{BB962C8B-B14F-4D97-AF65-F5344CB8AC3E}">
+        <p14:creationId xmlns:p14="http://schemas.microsoft.com/office/powerpoint/2010/main" val="46120481"/>
+      </p:ext>
+    </p:extLst>
+  </p:cSld>
+  <p:clrMapOvr>
+    <a:masterClrMapping/>
+  </p:clrMapOvr>
+</p:sld>
+</file>
+
+<file path=ppt/slides/slide15.xml><?xml version="1.0" encoding="utf-8"?>
+<p:sld xmlns:a="http://schemas.openxmlformats.org/drawingml/2006/main" xmlns:r="http://schemas.openxmlformats.org/officeDocument/2006/relationships" xmlns:p="http://schemas.openxmlformats.org/presentationml/2006/main">
+  <p:cSld>
+    <p:spTree>
+      <p:nvGrpSpPr>
+        <p:cNvPr id="1" name=""/>
+        <p:cNvGrpSpPr/>
+        <p:nvPr/>
+      </p:nvGrpSpPr>
+      <p:grpSpPr>
+        <a:xfrm>
+          <a:off x="0" y="0"/>
+          <a:ext cx="0" cy="0"/>
+          <a:chOff x="0" y="0"/>
+          <a:chExt cx="0" cy="0"/>
+        </a:xfrm>
+      </p:grpSpPr>
+      <p:sp>
+        <p:nvSpPr>
+          <p:cNvPr id="2" name="Title 1"/>
+          <p:cNvSpPr>
+            <a:spLocks noGrp="1"/>
+          </p:cNvSpPr>
+          <p:nvPr>
+            <p:ph type="title"/>
+          </p:nvPr>
+        </p:nvSpPr>
+        <p:spPr/>
+        <p:txBody>
+          <a:bodyPr>
+            <a:normAutofit/>
+          </a:bodyPr>
+          <a:lstStyle/>
+          <a:p>
+            <a:r>
+              <a:rPr lang="en-US" sz="3200" dirty="0"/>
+              <a:t>Functional Requirements</a:t>
+            </a:r>
+          </a:p>
+        </p:txBody>
+      </p:sp>
+      <p:sp>
+        <p:nvSpPr>
+          <p:cNvPr id="3" name="Content Placeholder 2"/>
+          <p:cNvSpPr>
+            <a:spLocks noGrp="1"/>
+          </p:cNvSpPr>
+          <p:nvPr>
+            <p:ph idx="1"/>
+          </p:nvPr>
+        </p:nvSpPr>
+        <p:spPr/>
+        <p:txBody>
+          <a:bodyPr>
+            <a:normAutofit fontScale="92500" lnSpcReduction="10000"/>
+          </a:bodyPr>
+          <a:lstStyle/>
+          <a:p>
+            <a:pPr lvl="1"/>
+            <a:r>
+              <a:rPr lang="en-US" strike="sngStrike" dirty="0"/>
+              <a:t>Preload a universe of well defined stocks</a:t>
+            </a:r>
+          </a:p>
+          <a:p>
+            <a:pPr lvl="1"/>
+            <a:r>
+              <a:rPr lang="en-US" strike="sngStrike" dirty="0">
+                <a:solidFill>
+                  <a:srgbClr val="FF0000"/>
+                </a:solidFill>
+              </a:rPr>
+              <a:t>Publish tradable stock list to members</a:t>
+            </a:r>
+          </a:p>
+          <a:p>
+            <a:pPr lvl="1"/>
+            <a:r>
+              <a:rPr lang="en-US" strike="sngStrike" dirty="0"/>
+              <a:t>System must have rules to ensure that orders will not be over executed, should be within price range of the original order.   </a:t>
+            </a:r>
+          </a:p>
+          <a:p>
+            <a:pPr lvl="1"/>
+            <a:r>
+              <a:rPr lang="en-US" strike="sngStrike" dirty="0"/>
+              <a:t>All transaction records must be kept for future query.</a:t>
+            </a:r>
+          </a:p>
+          <a:p>
+            <a:pPr lvl="1"/>
+            <a:r>
+              <a:rPr lang="en-US" strike="sngStrike" dirty="0"/>
+              <a:t>Calculate open price accurately.</a:t>
+            </a:r>
+          </a:p>
+          <a:p>
+            <a:pPr lvl="1"/>
+            <a:r>
+              <a:rPr lang="en-US" strike="sngStrike" dirty="0"/>
+              <a:t>Has knowledge of the price of stock got executed last time, last trading day’s close price of each stock</a:t>
+            </a:r>
+          </a:p>
+          <a:p>
+            <a:endParaRPr lang="en-US" dirty="0"/>
+          </a:p>
+        </p:txBody>
+      </p:sp>
+    </p:spTree>
+    <p:extLst>
+      <p:ext uri="{BB962C8B-B14F-4D97-AF65-F5344CB8AC3E}">
+        <p14:creationId xmlns:p14="http://schemas.microsoft.com/office/powerpoint/2010/main" val="3160769894"/>
+      </p:ext>
+    </p:extLst>
+  </p:cSld>
+  <p:clrMapOvr>
+    <a:masterClrMapping/>
+  </p:clrMapOvr>
+</p:sld>
+</file>
+
+<file path=ppt/slides/slide16.xml><?xml version="1.0" encoding="utf-8"?>
+<p:sld xmlns:a="http://schemas.openxmlformats.org/drawingml/2006/main" xmlns:r="http://schemas.openxmlformats.org/officeDocument/2006/relationships" xmlns:p="http://schemas.openxmlformats.org/presentationml/2006/main">
+  <p:cSld>
+    <p:spTree>
+      <p:nvGrpSpPr>
+        <p:cNvPr id="1" name=""/>
+        <p:cNvGrpSpPr/>
+        <p:nvPr/>
+      </p:nvGrpSpPr>
+      <p:grpSpPr>
+        <a:xfrm>
+          <a:off x="0" y="0"/>
+          <a:ext cx="0" cy="0"/>
+          <a:chOff x="0" y="0"/>
+          <a:chExt cx="0" cy="0"/>
+        </a:xfrm>
+      </p:grpSpPr>
+      <p:sp>
+        <p:nvSpPr>
+          <p:cNvPr id="2" name="Title 1"/>
+          <p:cNvSpPr>
+            <a:spLocks noGrp="1"/>
+          </p:cNvSpPr>
+          <p:nvPr>
+            <p:ph type="title"/>
+          </p:nvPr>
+        </p:nvSpPr>
+        <p:spPr/>
+        <p:txBody>
+          <a:bodyPr>
+            <a:normAutofit/>
+          </a:bodyPr>
+          <a:lstStyle/>
+          <a:p>
+            <a:r>
+              <a:rPr lang="en-US" sz="3200" dirty="0"/>
+              <a:t>Non-functional Requirements</a:t>
+            </a:r>
+          </a:p>
+        </p:txBody>
+      </p:sp>
+      <p:sp>
+        <p:nvSpPr>
+          <p:cNvPr id="3" name="Content Placeholder 2"/>
+          <p:cNvSpPr>
+            <a:spLocks noGrp="1"/>
+          </p:cNvSpPr>
+          <p:nvPr>
+            <p:ph idx="1"/>
+          </p:nvPr>
+        </p:nvSpPr>
+        <p:spPr/>
+        <p:txBody>
+          <a:bodyPr>
+            <a:normAutofit fontScale="70000" lnSpcReduction="20000"/>
+          </a:bodyPr>
+          <a:lstStyle/>
+          <a:p>
+            <a:pPr lvl="1"/>
+            <a:r>
+              <a:rPr lang="en-US" strike="sngStrike" dirty="0"/>
+              <a:t>Scalability: have multiple instances of the system running, sharing each other’s work load</a:t>
+            </a:r>
+          </a:p>
+          <a:p>
+            <a:pPr lvl="1"/>
+            <a:r>
+              <a:rPr lang="en-US" strike="sngStrike" dirty="0"/>
+              <a:t>System must have authentication and authorization mechanism, administrator and operator have different permission to view the order books. </a:t>
+            </a:r>
+          </a:p>
+          <a:p>
+            <a:pPr lvl="1"/>
+            <a:r>
+              <a:rPr lang="en-US" strike="sngStrike" dirty="0"/>
+              <a:t>When system goes down un-expectantly (process crash, machine failure, lose of power), after restart it needs to remember current order book details.</a:t>
+            </a:r>
+          </a:p>
+          <a:p>
+            <a:pPr lvl="1"/>
+            <a:r>
+              <a:rPr lang="en-US" strike="sngStrike" dirty="0">
+                <a:solidFill>
+                  <a:srgbClr val="FF0000"/>
+                </a:solidFill>
+              </a:rPr>
+              <a:t>Has GUI tool could switch stocks to “on hold” mode , means not tradable, publish “on hold” message to exchange members, and switch back to normal trading mode.  This function should limited to “administrator”.</a:t>
+            </a:r>
+          </a:p>
+          <a:p>
+            <a:pPr lvl="1"/>
+            <a:r>
+              <a:rPr lang="en-US" strike="sngStrike" dirty="0"/>
+              <a:t>Provide “stop execution” function.</a:t>
+            </a:r>
+          </a:p>
+          <a:p>
+            <a:pPr lvl="1"/>
+            <a:r>
+              <a:rPr lang="en-US" strike="sngStrike" dirty="0"/>
+              <a:t>Provide “special auction” function for specific stocks when buy or sell pressure is unbalanced, with breach of price limit.</a:t>
+            </a:r>
+          </a:p>
+          <a:p>
+            <a:pPr lvl="1"/>
+            <a:r>
+              <a:rPr lang="en-US" strike="sngStrike" dirty="0"/>
+              <a:t>Provide pre-defined stock universe data publish based on request</a:t>
+            </a:r>
+          </a:p>
+          <a:p>
+            <a:endParaRPr lang="en-US" dirty="0"/>
+          </a:p>
+        </p:txBody>
+      </p:sp>
+    </p:spTree>
+    <p:extLst>
+      <p:ext uri="{BB962C8B-B14F-4D97-AF65-F5344CB8AC3E}">
+        <p14:creationId xmlns:p14="http://schemas.microsoft.com/office/powerpoint/2010/main" val="3995081648"/>
+      </p:ext>
+    </p:extLst>
+  </p:cSld>
+  <p:clrMapOvr>
+    <a:masterClrMapping/>
+  </p:clrMapOvr>
+</p:sld>
+</file>
+
+<file path=ppt/slides/slide17.xml><?xml version="1.0" encoding="utf-8"?>
+<p:sld xmlns:a="http://schemas.openxmlformats.org/drawingml/2006/main" xmlns:r="http://schemas.openxmlformats.org/officeDocument/2006/relationships" xmlns:p="http://schemas.openxmlformats.org/presentationml/2006/main">
+  <p:cSld>
+    <p:spTree>
+      <p:nvGrpSpPr>
+        <p:cNvPr id="1" name=""/>
+        <p:cNvGrpSpPr/>
+        <p:nvPr/>
+      </p:nvGrpSpPr>
+      <p:grpSpPr>
+        <a:xfrm>
+          <a:off x="0" y="0"/>
+          <a:ext cx="0" cy="0"/>
+          <a:chOff x="0" y="0"/>
+          <a:chExt cx="0" cy="0"/>
+        </a:xfrm>
+      </p:grpSpPr>
+      <p:sp>
+        <p:nvSpPr>
+          <p:cNvPr id="2" name="Titel 1"/>
+          <p:cNvSpPr>
+            <a:spLocks noGrp="1"/>
+          </p:cNvSpPr>
+          <p:nvPr>
+            <p:ph type="title"/>
+          </p:nvPr>
+        </p:nvSpPr>
+        <p:spPr/>
+        <p:txBody>
+          <a:bodyPr/>
+          <a:lstStyle/>
+          <a:p>
+            <a:r>
+              <a:rPr lang="de-DE" dirty="0" err="1"/>
+              <a:t>Matching</a:t>
+            </a:r>
+            <a:r>
+              <a:rPr lang="de-DE" dirty="0"/>
+              <a:t> </a:t>
+            </a:r>
+            <a:r>
+              <a:rPr lang="de-DE" dirty="0" err="1"/>
+              <a:t>Algorithm</a:t>
+            </a:r>
+            <a:endParaRPr lang="de-DE" dirty="0"/>
+          </a:p>
+        </p:txBody>
+      </p:sp>
+      <p:sp>
+        <p:nvSpPr>
+          <p:cNvPr id="3" name="Inhaltsplatzhalter 2"/>
+          <p:cNvSpPr>
+            <a:spLocks noGrp="1"/>
+          </p:cNvSpPr>
+          <p:nvPr>
+            <p:ph idx="1"/>
+          </p:nvPr>
+        </p:nvSpPr>
+        <p:spPr/>
+        <p:txBody>
+          <a:bodyPr/>
+          <a:lstStyle/>
+          <a:p>
+            <a:r>
+              <a:rPr lang="de-DE" dirty="0"/>
+              <a:t>Pro </a:t>
+            </a:r>
+            <a:r>
+              <a:rPr lang="de-DE" dirty="0" err="1"/>
+              <a:t>Rata</a:t>
+            </a:r>
+            <a:r>
+              <a:rPr lang="de-DE" dirty="0"/>
+              <a:t> </a:t>
+            </a:r>
+            <a:r>
+              <a:rPr lang="de-DE" dirty="0" err="1"/>
+              <a:t>Algorithm</a:t>
+            </a:r>
+            <a:endParaRPr lang="de-DE" dirty="0"/>
+          </a:p>
+          <a:p>
+            <a:r>
+              <a:rPr lang="de-DE" dirty="0" err="1"/>
+              <a:t>Considers</a:t>
+            </a:r>
+            <a:r>
+              <a:rPr lang="de-DE" dirty="0"/>
+              <a:t> </a:t>
+            </a:r>
+            <a:r>
+              <a:rPr lang="de-DE" dirty="0" err="1"/>
+              <a:t>the</a:t>
+            </a:r>
+            <a:r>
+              <a:rPr lang="de-DE" dirty="0"/>
+              <a:t> </a:t>
+            </a:r>
+            <a:r>
+              <a:rPr lang="de-DE" dirty="0" err="1"/>
+              <a:t>percentage</a:t>
+            </a:r>
+            <a:r>
+              <a:rPr lang="de-DE" dirty="0"/>
+              <a:t> </a:t>
+            </a:r>
+            <a:r>
+              <a:rPr lang="de-DE" dirty="0" err="1"/>
+              <a:t>one</a:t>
+            </a:r>
+            <a:r>
+              <a:rPr lang="de-DE" dirty="0"/>
+              <a:t> </a:t>
+            </a:r>
+            <a:r>
+              <a:rPr lang="de-DE" dirty="0" err="1"/>
+              <a:t>holds</a:t>
+            </a:r>
+            <a:r>
+              <a:rPr lang="de-DE" dirty="0"/>
+              <a:t> </a:t>
+            </a:r>
+            <a:r>
+              <a:rPr lang="de-DE" dirty="0" err="1"/>
+              <a:t>of</a:t>
+            </a:r>
+            <a:r>
+              <a:rPr lang="de-DE" dirty="0"/>
+              <a:t> </a:t>
+            </a:r>
+            <a:r>
+              <a:rPr lang="de-DE" dirty="0" err="1"/>
+              <a:t>the</a:t>
+            </a:r>
+            <a:r>
+              <a:rPr lang="de-DE" dirty="0"/>
+              <a:t> total </a:t>
+            </a:r>
+            <a:r>
+              <a:rPr lang="de-DE" dirty="0" err="1"/>
+              <a:t>amount</a:t>
+            </a:r>
+            <a:r>
+              <a:rPr lang="de-DE" dirty="0"/>
+              <a:t> </a:t>
+            </a:r>
+            <a:r>
+              <a:rPr lang="de-DE" dirty="0" err="1"/>
+              <a:t>of</a:t>
+            </a:r>
+            <a:r>
+              <a:rPr lang="de-DE" dirty="0"/>
+              <a:t> </a:t>
+            </a:r>
+            <a:r>
+              <a:rPr lang="de-DE" dirty="0" err="1"/>
+              <a:t>shares</a:t>
+            </a:r>
+            <a:endParaRPr lang="de-DE" dirty="0"/>
+          </a:p>
+          <a:p>
+            <a:r>
+              <a:rPr lang="de-DE" dirty="0" err="1"/>
+              <a:t>Weighted</a:t>
+            </a:r>
+            <a:r>
+              <a:rPr lang="de-DE" dirty="0"/>
+              <a:t> </a:t>
+            </a:r>
+            <a:r>
+              <a:rPr lang="de-DE" dirty="0" err="1"/>
+              <a:t>according</a:t>
+            </a:r>
+            <a:r>
+              <a:rPr lang="de-DE" dirty="0"/>
+              <a:t> </a:t>
+            </a:r>
+            <a:r>
+              <a:rPr lang="de-DE" dirty="0" err="1"/>
+              <a:t>to</a:t>
+            </a:r>
+            <a:r>
+              <a:rPr lang="de-DE" dirty="0"/>
+              <a:t> time</a:t>
+            </a:r>
+          </a:p>
+        </p:txBody>
+      </p:sp>
+    </p:spTree>
+    <p:extLst>
+      <p:ext uri="{BB962C8B-B14F-4D97-AF65-F5344CB8AC3E}">
+        <p14:creationId xmlns:p14="http://schemas.microsoft.com/office/powerpoint/2010/main" val="3663555303"/>
+      </p:ext>
+    </p:extLst>
+  </p:cSld>
+  <p:clrMapOvr>
+    <a:masterClrMapping/>
+  </p:clrMapOvr>
+</p:sld>
+</file>
+
+<file path=ppt/slides/slide18.xml><?xml version="1.0" encoding="utf-8"?>
+<p:sld xmlns:a="http://schemas.openxmlformats.org/drawingml/2006/main" xmlns:r="http://schemas.openxmlformats.org/officeDocument/2006/relationships" xmlns:p="http://schemas.openxmlformats.org/presentationml/2006/main">
+  <p:cSld>
+    <p:spTree>
+      <p:nvGrpSpPr>
+        <p:cNvPr id="1" name=""/>
+        <p:cNvGrpSpPr/>
+        <p:nvPr/>
+      </p:nvGrpSpPr>
+      <p:grpSpPr>
+        <a:xfrm>
+          <a:off x="0" y="0"/>
+          <a:ext cx="0" cy="0"/>
+          <a:chOff x="0" y="0"/>
+          <a:chExt cx="0" cy="0"/>
+        </a:xfrm>
+      </p:grpSpPr>
+      <p:sp>
+        <p:nvSpPr>
+          <p:cNvPr id="2" name="Titel 1"/>
+          <p:cNvSpPr>
+            <a:spLocks noGrp="1"/>
+          </p:cNvSpPr>
+          <p:nvPr>
+            <p:ph type="title"/>
+          </p:nvPr>
+        </p:nvSpPr>
+        <p:spPr/>
+        <p:txBody>
+          <a:bodyPr/>
+          <a:lstStyle/>
+          <a:p>
+            <a:r>
+              <a:rPr lang="de-DE" dirty="0" err="1"/>
+              <a:t>Matching</a:t>
+            </a:r>
+            <a:r>
+              <a:rPr lang="de-DE" dirty="0"/>
+              <a:t> </a:t>
+            </a:r>
+            <a:r>
+              <a:rPr lang="de-DE" dirty="0" err="1"/>
+              <a:t>Algorithm</a:t>
+            </a:r>
+            <a:endParaRPr lang="de-DE" dirty="0"/>
+          </a:p>
+        </p:txBody>
+      </p:sp>
+      <p:sp>
+        <p:nvSpPr>
+          <p:cNvPr id="3" name="Inhaltsplatzhalter 2"/>
+          <p:cNvSpPr>
+            <a:spLocks noGrp="1"/>
+          </p:cNvSpPr>
+          <p:nvPr>
+            <p:ph idx="1"/>
+          </p:nvPr>
+        </p:nvSpPr>
+        <p:spPr/>
+        <p:txBody>
+          <a:bodyPr/>
+          <a:lstStyle/>
+          <a:p>
+            <a:r>
+              <a:rPr lang="de-DE" dirty="0"/>
+              <a:t>Input: </a:t>
+            </a:r>
+            <a:r>
+              <a:rPr lang="de-DE" dirty="0" err="1"/>
+              <a:t>two</a:t>
+            </a:r>
+            <a:r>
+              <a:rPr lang="de-DE" dirty="0"/>
+              <a:t> </a:t>
+            </a:r>
+            <a:r>
+              <a:rPr lang="de-DE" dirty="0" err="1"/>
+              <a:t>lists</a:t>
+            </a:r>
+            <a:r>
+              <a:rPr lang="de-DE" dirty="0"/>
+              <a:t>; </a:t>
+            </a:r>
+            <a:r>
+              <a:rPr lang="de-DE" dirty="0" err="1"/>
+              <a:t>buyer</a:t>
+            </a:r>
+            <a:r>
+              <a:rPr lang="de-DE" dirty="0"/>
+              <a:t> </a:t>
+            </a:r>
+            <a:r>
+              <a:rPr lang="de-DE" dirty="0" err="1"/>
+              <a:t>and</a:t>
+            </a:r>
+            <a:r>
+              <a:rPr lang="de-DE" dirty="0"/>
+              <a:t> </a:t>
+            </a:r>
+            <a:r>
+              <a:rPr lang="de-DE" dirty="0" err="1"/>
+              <a:t>seller</a:t>
+            </a:r>
+            <a:endParaRPr lang="de-DE" dirty="0"/>
+          </a:p>
+          <a:p>
+            <a:r>
+              <a:rPr lang="de-DE" dirty="0"/>
+              <a:t>Outputs a </a:t>
+            </a:r>
+            <a:r>
+              <a:rPr lang="de-DE" dirty="0" err="1"/>
+              <a:t>matrix</a:t>
+            </a:r>
+            <a:r>
+              <a:rPr lang="de-DE" dirty="0"/>
+              <a:t> </a:t>
+            </a:r>
+            <a:r>
+              <a:rPr lang="de-DE" dirty="0" err="1"/>
+              <a:t>buyer</a:t>
+            </a:r>
+            <a:r>
+              <a:rPr lang="de-DE" dirty="0"/>
+              <a:t> x </a:t>
+            </a:r>
+            <a:r>
+              <a:rPr lang="de-DE" dirty="0" err="1"/>
+              <a:t>seller</a:t>
+            </a:r>
+            <a:endParaRPr lang="de-DE" dirty="0"/>
+          </a:p>
+          <a:p>
+            <a:r>
+              <a:rPr lang="de-DE" dirty="0" err="1"/>
+              <a:t>Contains</a:t>
+            </a:r>
+            <a:r>
+              <a:rPr lang="de-DE" dirty="0"/>
+              <a:t> </a:t>
+            </a:r>
+            <a:r>
+              <a:rPr lang="de-DE" dirty="0" err="1"/>
+              <a:t>the</a:t>
+            </a:r>
+            <a:r>
+              <a:rPr lang="de-DE" dirty="0"/>
+              <a:t> </a:t>
+            </a:r>
+            <a:r>
+              <a:rPr lang="de-DE" dirty="0" err="1"/>
+              <a:t>shares</a:t>
+            </a:r>
+            <a:r>
+              <a:rPr lang="de-DE" dirty="0"/>
+              <a:t> </a:t>
+            </a:r>
+            <a:r>
+              <a:rPr lang="de-DE" dirty="0" err="1"/>
+              <a:t>which</a:t>
+            </a:r>
+            <a:r>
+              <a:rPr lang="de-DE" dirty="0"/>
+              <a:t> </a:t>
+            </a:r>
+            <a:r>
+              <a:rPr lang="de-DE" dirty="0" err="1"/>
+              <a:t>are</a:t>
+            </a:r>
+            <a:r>
+              <a:rPr lang="de-DE" dirty="0"/>
+              <a:t> </a:t>
+            </a:r>
+            <a:r>
+              <a:rPr lang="de-DE" dirty="0" err="1"/>
+              <a:t>traded</a:t>
+            </a:r>
+            <a:r>
+              <a:rPr lang="de-DE" dirty="0"/>
+              <a:t> </a:t>
+            </a:r>
+          </a:p>
+        </p:txBody>
+      </p:sp>
+    </p:spTree>
+    <p:extLst>
+      <p:ext uri="{BB962C8B-B14F-4D97-AF65-F5344CB8AC3E}">
+        <p14:creationId xmlns:p14="http://schemas.microsoft.com/office/powerpoint/2010/main" val="2980640408"/>
+      </p:ext>
+    </p:extLst>
+  </p:cSld>
+  <p:clrMapOvr>
+    <a:masterClrMapping/>
+  </p:clrMapOvr>
+</p:sld>
+</file>
+
+<file path=ppt/slides/slide19.xml><?xml version="1.0" encoding="utf-8"?>
+<p:sld xmlns:a="http://schemas.openxmlformats.org/drawingml/2006/main" xmlns:r="http://schemas.openxmlformats.org/officeDocument/2006/relationships" xmlns:p="http://schemas.openxmlformats.org/presentationml/2006/main">
+  <p:cSld>
+    <p:spTree>
+      <p:nvGrpSpPr>
+        <p:cNvPr id="1" name=""/>
+        <p:cNvGrpSpPr/>
+        <p:nvPr/>
+      </p:nvGrpSpPr>
+      <p:grpSpPr>
+        <a:xfrm>
+          <a:off x="0" y="0"/>
+          <a:ext cx="0" cy="0"/>
+          <a:chOff x="0" y="0"/>
+          <a:chExt cx="0" cy="0"/>
+        </a:xfrm>
+      </p:grpSpPr>
+      <p:sp>
+        <p:nvSpPr>
+          <p:cNvPr id="2" name="Title 1"/>
+          <p:cNvSpPr>
+            <a:spLocks noGrp="1"/>
+          </p:cNvSpPr>
+          <p:nvPr>
+            <p:ph type="title"/>
+          </p:nvPr>
+        </p:nvSpPr>
+        <p:spPr/>
+        <p:txBody>
+          <a:bodyPr>
+            <a:normAutofit/>
+          </a:bodyPr>
+          <a:lstStyle/>
+          <a:p>
+            <a:r>
+              <a:rPr lang="en-US" sz="3200" dirty="0"/>
+              <a:t>Functional Requirements</a:t>
+            </a:r>
+          </a:p>
+        </p:txBody>
+      </p:sp>
+      <p:sp>
+        <p:nvSpPr>
+          <p:cNvPr id="3" name="Content Placeholder 2"/>
+          <p:cNvSpPr>
+            <a:spLocks noGrp="1"/>
+          </p:cNvSpPr>
+          <p:nvPr>
+            <p:ph idx="1"/>
+          </p:nvPr>
+        </p:nvSpPr>
+        <p:spPr/>
+        <p:txBody>
+          <a:bodyPr>
+            <a:normAutofit fontScale="62500" lnSpcReduction="20000"/>
+          </a:bodyPr>
+          <a:lstStyle/>
+          <a:p>
+            <a:r>
+              <a:rPr lang="en-US" strike="sngStrike" dirty="0"/>
+              <a:t>Order</a:t>
+            </a:r>
+          </a:p>
+          <a:p>
+            <a:r>
+              <a:rPr lang="en-US" strike="sngStrike" dirty="0"/>
+              <a:t>Execution</a:t>
+            </a:r>
+          </a:p>
+          <a:p>
+            <a:r>
+              <a:rPr lang="en-US" strike="sngStrike" dirty="0"/>
+              <a:t>Stock universe</a:t>
+            </a:r>
+          </a:p>
+          <a:p>
+            <a:r>
+              <a:rPr lang="en-US" strike="sngStrike" dirty="0"/>
+              <a:t>Lot size</a:t>
+            </a:r>
+          </a:p>
+          <a:p>
+            <a:r>
+              <a:rPr lang="en-US" strike="sngStrike" dirty="0"/>
+              <a:t>Tick size</a:t>
+            </a:r>
+          </a:p>
+          <a:p>
+            <a:r>
+              <a:rPr lang="en-US" strike="sngStrike" dirty="0"/>
+              <a:t>Trading schedule</a:t>
+            </a:r>
+          </a:p>
+          <a:p>
+            <a:r>
+              <a:rPr lang="en-US" strike="sngStrike" dirty="0">
+                <a:solidFill>
+                  <a:srgbClr val="FF0000"/>
+                </a:solidFill>
+              </a:rPr>
+              <a:t>Matching mechanisms</a:t>
+            </a:r>
+          </a:p>
+          <a:p>
+            <a:r>
+              <a:rPr lang="en-US" strike="sngStrike" dirty="0"/>
+              <a:t>Stock data publishing</a:t>
+            </a:r>
+          </a:p>
+          <a:p>
+            <a:r>
+              <a:rPr lang="en-US" strike="sngStrike" dirty="0"/>
+              <a:t>Order and execution reporting</a:t>
+            </a:r>
+          </a:p>
+          <a:p>
+            <a:r>
+              <a:rPr lang="en-US" strike="sngStrike" dirty="0"/>
+              <a:t>Exchange members</a:t>
+            </a:r>
+          </a:p>
+          <a:p>
+            <a:endParaRPr lang="en-US" dirty="0"/>
+          </a:p>
+        </p:txBody>
+      </p:sp>
+    </p:spTree>
+    <p:extLst>
+      <p:ext uri="{BB962C8B-B14F-4D97-AF65-F5344CB8AC3E}">
+        <p14:creationId xmlns:p14="http://schemas.microsoft.com/office/powerpoint/2010/main" val="1488671296"/>
+      </p:ext>
+    </p:extLst>
+  </p:cSld>
+  <p:clrMapOvr>
+    <a:masterClrMapping/>
+  </p:clrMapOvr>
+</p:sld>
+</file>
+
 <file path=ppt/slides/slide2.xml><?xml version="1.0" encoding="utf-8"?>
 <p:sld xmlns:a="http://schemas.openxmlformats.org/drawingml/2006/main" xmlns:r="http://schemas.openxmlformats.org/officeDocument/2006/relationships" xmlns:p="http://schemas.openxmlformats.org/presentationml/2006/main">
   <p:cSld>
@@ -7046,15 +8430,7 @@
           <a:p>
             <a:r>
               <a:rPr lang="de-DE" dirty="0" err="1"/>
-              <a:t>Matching</a:t>
-            </a:r>
-            <a:r>
-              <a:rPr lang="de-DE" dirty="0"/>
-              <a:t> </a:t>
-            </a:r>
-            <a:r>
-              <a:rPr lang="de-DE" dirty="0" err="1"/>
-              <a:t>Algorithm</a:t>
+              <a:t>Structure</a:t>
             </a:r>
             <a:endParaRPr lang="de-DE" dirty="0"/>
           </a:p>
@@ -7075,135 +8451,14 @@
           <a:bodyPr/>
           <a:lstStyle/>
           <a:p>
-            <a:r>
-              <a:rPr lang="de-DE" dirty="0"/>
-              <a:t>Pro </a:t>
-            </a:r>
-            <a:r>
-              <a:rPr lang="de-DE" dirty="0" err="1"/>
-              <a:t>Rata</a:t>
-            </a:r>
-            <a:r>
-              <a:rPr lang="de-DE" dirty="0"/>
-              <a:t> </a:t>
-            </a:r>
-            <a:r>
-              <a:rPr lang="de-DE" dirty="0" err="1"/>
-              <a:t>Algorithm</a:t>
-            </a:r>
-            <a:endParaRPr lang="de-DE" dirty="0"/>
-          </a:p>
-          <a:p>
-            <a:r>
-              <a:rPr lang="de-DE" dirty="0" err="1"/>
-              <a:t>Considers</a:t>
-            </a:r>
-            <a:r>
-              <a:rPr lang="de-DE" dirty="0"/>
-              <a:t> </a:t>
-            </a:r>
-            <a:r>
-              <a:rPr lang="de-DE" dirty="0" err="1"/>
-              <a:t>the</a:t>
-            </a:r>
-            <a:r>
-              <a:rPr lang="de-DE" dirty="0"/>
-              <a:t> </a:t>
-            </a:r>
-            <a:r>
-              <a:rPr lang="de-DE" dirty="0" err="1"/>
-              <a:t>percentage</a:t>
-            </a:r>
-            <a:r>
-              <a:rPr lang="de-DE" dirty="0"/>
-              <a:t> </a:t>
-            </a:r>
-            <a:r>
-              <a:rPr lang="de-DE" dirty="0" err="1"/>
-              <a:t>one</a:t>
-            </a:r>
-            <a:r>
-              <a:rPr lang="de-DE" dirty="0"/>
-              <a:t> </a:t>
-            </a:r>
-            <a:r>
-              <a:rPr lang="de-DE" dirty="0" err="1"/>
-              <a:t>holds</a:t>
-            </a:r>
-            <a:r>
-              <a:rPr lang="de-DE" dirty="0"/>
-              <a:t> </a:t>
-            </a:r>
-            <a:r>
-              <a:rPr lang="de-DE" dirty="0" err="1"/>
-              <a:t>of</a:t>
-            </a:r>
-            <a:r>
-              <a:rPr lang="de-DE" dirty="0"/>
-              <a:t> </a:t>
-            </a:r>
-            <a:r>
-              <a:rPr lang="de-DE" dirty="0" err="1"/>
-              <a:t>the</a:t>
-            </a:r>
-            <a:r>
-              <a:rPr lang="de-DE" dirty="0"/>
-              <a:t> total </a:t>
-            </a:r>
-            <a:r>
-              <a:rPr lang="de-DE" dirty="0" err="1"/>
-              <a:t>amount</a:t>
-            </a:r>
-            <a:r>
-              <a:rPr lang="de-DE" dirty="0"/>
-              <a:t> </a:t>
-            </a:r>
-            <a:r>
-              <a:rPr lang="de-DE" dirty="0" err="1"/>
-              <a:t>of</a:t>
-            </a:r>
-            <a:r>
-              <a:rPr lang="de-DE" dirty="0"/>
-              <a:t> </a:t>
-            </a:r>
-            <a:r>
-              <a:rPr lang="de-DE" dirty="0" err="1"/>
-              <a:t>shares</a:t>
-            </a:r>
-            <a:endParaRPr lang="de-DE" dirty="0"/>
-          </a:p>
-          <a:p>
-            <a:r>
-              <a:rPr lang="de-DE" dirty="0" err="1"/>
-              <a:t>Weighted</a:t>
-            </a:r>
-            <a:r>
-              <a:rPr lang="de-DE" dirty="0"/>
-              <a:t> </a:t>
-            </a:r>
-            <a:r>
-              <a:rPr lang="de-DE" dirty="0" err="1"/>
-              <a:t>according</a:t>
-            </a:r>
-            <a:r>
-              <a:rPr lang="de-DE" dirty="0"/>
-              <a:t> </a:t>
-            </a:r>
-            <a:r>
-              <a:rPr lang="de-DE" dirty="0" err="1"/>
-              <a:t>to</a:t>
-            </a:r>
-            <a:r>
-              <a:rPr lang="de-DE" dirty="0"/>
-              <a:t> time</a:t>
-            </a:r>
+            <a:endParaRPr lang="de-DE"/>
           </a:p>
         </p:txBody>
       </p:sp>
     </p:spTree>
     <p:extLst>
       <p:ext uri="{BB962C8B-B14F-4D97-AF65-F5344CB8AC3E}">
-        <p14:creationId xmlns:p14="http://schemas.microsoft.com/office/powerpoint/2010/main" val="3663555303"/>
+        <p14:creationId xmlns:p14="http://schemas.microsoft.com/office/powerpoint/2010/main" val="1537277831"/>
       </p:ext>
     </p:extLst>
   </p:cSld>
@@ -7232,7 +8487,7 @@
       </p:grpSpPr>
       <p:sp>
         <p:nvSpPr>
-          <p:cNvPr id="2" name="Titel 1"/>
+          <p:cNvPr id="2" name="Title 1"/>
           <p:cNvSpPr>
             <a:spLocks noGrp="1"/>
           </p:cNvSpPr>
@@ -7242,28 +8497,21 @@
         </p:nvSpPr>
         <p:spPr/>
         <p:txBody>
-          <a:bodyPr/>
-          <a:lstStyle/>
-          <a:p>
-            <a:r>
-              <a:rPr lang="de-DE" dirty="0" err="1"/>
-              <a:t>Matching</a:t>
-            </a:r>
-            <a:r>
-              <a:rPr lang="de-DE" dirty="0"/>
-              <a:t> </a:t>
-            </a:r>
-            <a:r>
-              <a:rPr lang="de-DE" dirty="0" err="1"/>
-              <a:t>Algorithm</a:t>
-            </a:r>
-            <a:endParaRPr lang="de-DE" dirty="0"/>
-          </a:p>
-        </p:txBody>
-      </p:sp>
-      <p:sp>
-        <p:nvSpPr>
-          <p:cNvPr id="3" name="Inhaltsplatzhalter 2"/>
+          <a:bodyPr>
+            <a:normAutofit/>
+          </a:bodyPr>
+          <a:lstStyle/>
+          <a:p>
+            <a:r>
+              <a:rPr lang="en-US" sz="3200" dirty="0"/>
+              <a:t>Functional Requirements</a:t>
+            </a:r>
+          </a:p>
+        </p:txBody>
+      </p:sp>
+      <p:sp>
+        <p:nvSpPr>
+          <p:cNvPr id="3" name="Content Placeholder 2"/>
           <p:cNvSpPr>
             <a:spLocks noGrp="1"/>
           </p:cNvSpPr>
@@ -7273,134 +8521,585 @@
         </p:nvSpPr>
         <p:spPr/>
         <p:txBody>
-          <a:bodyPr/>
-          <a:lstStyle/>
-          <a:p>
-            <a:r>
-              <a:rPr lang="de-DE" dirty="0"/>
-              <a:t>Input: </a:t>
-            </a:r>
-            <a:r>
-              <a:rPr lang="de-DE" dirty="0" err="1"/>
-              <a:t>two</a:t>
-            </a:r>
-            <a:r>
-              <a:rPr lang="de-DE" dirty="0"/>
-              <a:t> </a:t>
-            </a:r>
-            <a:r>
-              <a:rPr lang="de-DE" dirty="0" err="1"/>
-              <a:t>lists</a:t>
-            </a:r>
-            <a:r>
-              <a:rPr lang="de-DE" dirty="0"/>
-              <a:t>; </a:t>
-            </a:r>
-            <a:r>
-              <a:rPr lang="de-DE" dirty="0" err="1"/>
-              <a:t>buyer</a:t>
-            </a:r>
-            <a:r>
-              <a:rPr lang="de-DE" dirty="0"/>
-              <a:t> </a:t>
-            </a:r>
-            <a:r>
-              <a:rPr lang="de-DE" dirty="0" err="1"/>
-              <a:t>and</a:t>
-            </a:r>
-            <a:r>
-              <a:rPr lang="de-DE" dirty="0"/>
-              <a:t> </a:t>
-            </a:r>
-            <a:r>
-              <a:rPr lang="de-DE" dirty="0" err="1"/>
-              <a:t>seller</a:t>
-            </a:r>
-            <a:endParaRPr lang="de-DE" dirty="0"/>
-          </a:p>
-          <a:p>
-            <a:r>
-              <a:rPr lang="de-DE" dirty="0"/>
-              <a:t>Outputs a </a:t>
-            </a:r>
-            <a:r>
-              <a:rPr lang="de-DE" dirty="0" err="1"/>
-              <a:t>matrix</a:t>
-            </a:r>
-            <a:r>
-              <a:rPr lang="de-DE" dirty="0"/>
-              <a:t> </a:t>
-            </a:r>
-            <a:r>
-              <a:rPr lang="de-DE" dirty="0" err="1"/>
-              <a:t>buyer</a:t>
-            </a:r>
-            <a:r>
-              <a:rPr lang="de-DE" dirty="0"/>
-              <a:t> x </a:t>
-            </a:r>
-            <a:r>
-              <a:rPr lang="de-DE" dirty="0" err="1"/>
-              <a:t>seller</a:t>
-            </a:r>
-            <a:endParaRPr lang="de-DE" dirty="0"/>
-          </a:p>
-          <a:p>
-            <a:r>
-              <a:rPr lang="de-DE" dirty="0" err="1"/>
-              <a:t>Contains</a:t>
-            </a:r>
-            <a:r>
-              <a:rPr lang="de-DE" dirty="0"/>
-              <a:t> </a:t>
-            </a:r>
-            <a:r>
-              <a:rPr lang="de-DE" dirty="0" err="1"/>
-              <a:t>the</a:t>
-            </a:r>
-            <a:r>
-              <a:rPr lang="de-DE" dirty="0"/>
-              <a:t> </a:t>
-            </a:r>
-            <a:r>
-              <a:rPr lang="de-DE" dirty="0" err="1"/>
-              <a:t>shares</a:t>
-            </a:r>
-            <a:r>
-              <a:rPr lang="de-DE" dirty="0"/>
-              <a:t> </a:t>
-            </a:r>
-            <a:r>
-              <a:rPr lang="de-DE" dirty="0" err="1"/>
-              <a:t>which</a:t>
-            </a:r>
-            <a:r>
-              <a:rPr lang="de-DE" dirty="0"/>
-              <a:t> </a:t>
-            </a:r>
-            <a:r>
-              <a:rPr lang="de-DE" dirty="0" err="1"/>
-              <a:t>are</a:t>
-            </a:r>
-            <a:r>
-              <a:rPr lang="de-DE" dirty="0"/>
-              <a:t> </a:t>
-            </a:r>
-            <a:r>
-              <a:rPr lang="de-DE" dirty="0" err="1"/>
-              <a:t>traded</a:t>
-            </a:r>
-            <a:r>
-              <a:rPr lang="de-DE" dirty="0"/>
-              <a:t> </a:t>
-            </a:r>
+          <a:bodyPr>
+            <a:normAutofit fontScale="62500" lnSpcReduction="20000"/>
+          </a:bodyPr>
+          <a:lstStyle/>
+          <a:p>
+            <a:r>
+              <a:rPr lang="en-US" strike="sngStrike" dirty="0">
+                <a:solidFill>
+                  <a:srgbClr val="FF0000"/>
+                </a:solidFill>
+              </a:rPr>
+              <a:t>Order</a:t>
+            </a:r>
+          </a:p>
+          <a:p>
+            <a:r>
+              <a:rPr lang="en-US" strike="sngStrike" dirty="0">
+                <a:solidFill>
+                  <a:srgbClr val="FF0000"/>
+                </a:solidFill>
+              </a:rPr>
+              <a:t>Execution</a:t>
+            </a:r>
+          </a:p>
+          <a:p>
+            <a:r>
+              <a:rPr lang="en-US" strike="sngStrike" dirty="0">
+                <a:solidFill>
+                  <a:srgbClr val="FF0000"/>
+                </a:solidFill>
+              </a:rPr>
+              <a:t>Stock universe</a:t>
+            </a:r>
+          </a:p>
+          <a:p>
+            <a:r>
+              <a:rPr lang="en-US" strike="sngStrike" dirty="0">
+                <a:solidFill>
+                  <a:srgbClr val="FF0000"/>
+                </a:solidFill>
+              </a:rPr>
+              <a:t>Lot size</a:t>
+            </a:r>
+          </a:p>
+          <a:p>
+            <a:r>
+              <a:rPr lang="en-US" strike="sngStrike" dirty="0">
+                <a:solidFill>
+                  <a:srgbClr val="FF0000"/>
+                </a:solidFill>
+              </a:rPr>
+              <a:t>Tick size</a:t>
+            </a:r>
+          </a:p>
+          <a:p>
+            <a:r>
+              <a:rPr lang="en-US" strike="sngStrike" dirty="0">
+                <a:solidFill>
+                  <a:srgbClr val="FF0000"/>
+                </a:solidFill>
+              </a:rPr>
+              <a:t>Trading schedule</a:t>
+            </a:r>
+          </a:p>
+          <a:p>
+            <a:r>
+              <a:rPr lang="en-US" dirty="0"/>
+              <a:t>Matching mechanisms</a:t>
+            </a:r>
+          </a:p>
+          <a:p>
+            <a:r>
+              <a:rPr lang="en-US" dirty="0"/>
+              <a:t>Stock data publishing</a:t>
+            </a:r>
+          </a:p>
+          <a:p>
+            <a:r>
+              <a:rPr lang="en-US" dirty="0"/>
+              <a:t>Order and execution reporting</a:t>
+            </a:r>
+          </a:p>
+          <a:p>
+            <a:r>
+              <a:rPr lang="en-US" strike="sngStrike" dirty="0">
+                <a:solidFill>
+                  <a:srgbClr val="FF0000"/>
+                </a:solidFill>
+              </a:rPr>
+              <a:t>Exchange members</a:t>
+            </a:r>
+          </a:p>
+          <a:p>
+            <a:endParaRPr lang="en-US" dirty="0"/>
           </a:p>
         </p:txBody>
       </p:sp>
     </p:spTree>
     <p:extLst>
       <p:ext uri="{BB962C8B-B14F-4D97-AF65-F5344CB8AC3E}">
-        <p14:creationId xmlns:p14="http://schemas.microsoft.com/office/powerpoint/2010/main" val="2980640408"/>
+        <p14:creationId xmlns:p14="http://schemas.microsoft.com/office/powerpoint/2010/main" val="493379497"/>
+      </p:ext>
+    </p:extLst>
+  </p:cSld>
+  <p:clrMapOvr>
+    <a:masterClrMapping/>
+  </p:clrMapOvr>
+</p:sld>
+</file>
+
+<file path=ppt/slides/slide6.xml><?xml version="1.0" encoding="utf-8"?>
+<p:sld xmlns:a="http://schemas.openxmlformats.org/drawingml/2006/main" xmlns:r="http://schemas.openxmlformats.org/officeDocument/2006/relationships" xmlns:p="http://schemas.openxmlformats.org/presentationml/2006/main">
+  <p:cSld>
+    <p:spTree>
+      <p:nvGrpSpPr>
+        <p:cNvPr id="1" name=""/>
+        <p:cNvGrpSpPr/>
+        <p:nvPr/>
+      </p:nvGrpSpPr>
+      <p:grpSpPr>
+        <a:xfrm>
+          <a:off x="0" y="0"/>
+          <a:ext cx="0" cy="0"/>
+          <a:chOff x="0" y="0"/>
+          <a:chExt cx="0" cy="0"/>
+        </a:xfrm>
+      </p:grpSpPr>
+      <p:sp>
+        <p:nvSpPr>
+          <p:cNvPr id="2" name="Title 1"/>
+          <p:cNvSpPr>
+            <a:spLocks noGrp="1"/>
+          </p:cNvSpPr>
+          <p:nvPr>
+            <p:ph type="title"/>
+          </p:nvPr>
+        </p:nvSpPr>
+        <p:spPr/>
+        <p:txBody>
+          <a:bodyPr>
+            <a:normAutofit/>
+          </a:bodyPr>
+          <a:lstStyle/>
+          <a:p>
+            <a:r>
+              <a:rPr lang="en-US" sz="3200" dirty="0"/>
+              <a:t>Functional Requirements</a:t>
+            </a:r>
+          </a:p>
+        </p:txBody>
+      </p:sp>
+      <p:sp>
+        <p:nvSpPr>
+          <p:cNvPr id="3" name="Content Placeholder 2"/>
+          <p:cNvSpPr>
+            <a:spLocks noGrp="1"/>
+          </p:cNvSpPr>
+          <p:nvPr>
+            <p:ph idx="1"/>
+          </p:nvPr>
+        </p:nvSpPr>
+        <p:spPr/>
+        <p:txBody>
+          <a:bodyPr>
+            <a:normAutofit fontScale="92500" lnSpcReduction="10000"/>
+          </a:bodyPr>
+          <a:lstStyle/>
+          <a:p>
+            <a:pPr lvl="1"/>
+            <a:r>
+              <a:rPr lang="en-US" strike="sngStrike" dirty="0">
+                <a:solidFill>
+                  <a:srgbClr val="FF0000"/>
+                </a:solidFill>
+              </a:rPr>
+              <a:t>Preload a universe of well defined stocks</a:t>
+            </a:r>
+          </a:p>
+          <a:p>
+            <a:pPr lvl="1"/>
+            <a:r>
+              <a:rPr lang="en-US" dirty="0"/>
+              <a:t>Publish tradable stock list to members</a:t>
+            </a:r>
+          </a:p>
+          <a:p>
+            <a:pPr lvl="1"/>
+            <a:r>
+              <a:rPr lang="en-US" strike="sngStrike" dirty="0">
+                <a:solidFill>
+                  <a:srgbClr val="FF0000"/>
+                </a:solidFill>
+              </a:rPr>
+              <a:t>System must have rules to ensure that orders will not be over executed, should be within price range of the original order.   </a:t>
+            </a:r>
+          </a:p>
+          <a:p>
+            <a:pPr lvl="1"/>
+            <a:r>
+              <a:rPr lang="en-US" strike="sngStrike" dirty="0">
+                <a:solidFill>
+                  <a:srgbClr val="FF0000"/>
+                </a:solidFill>
+              </a:rPr>
+              <a:t>All transaction records must be kept for future query.</a:t>
+            </a:r>
+          </a:p>
+          <a:p>
+            <a:pPr lvl="1"/>
+            <a:r>
+              <a:rPr lang="en-US" strike="sngStrike" dirty="0">
+                <a:solidFill>
+                  <a:srgbClr val="FF0000"/>
+                </a:solidFill>
+              </a:rPr>
+              <a:t>Calculate open price accurately.</a:t>
+            </a:r>
+          </a:p>
+          <a:p>
+            <a:pPr lvl="1"/>
+            <a:r>
+              <a:rPr lang="en-US" dirty="0"/>
+              <a:t>Has knowledge of the price of stock got executed last time, last trading day’s close price of each stock</a:t>
+            </a:r>
+          </a:p>
+          <a:p>
+            <a:endParaRPr lang="en-US" dirty="0"/>
+          </a:p>
+        </p:txBody>
+      </p:sp>
+    </p:spTree>
+    <p:extLst>
+      <p:ext uri="{BB962C8B-B14F-4D97-AF65-F5344CB8AC3E}">
+        <p14:creationId xmlns:p14="http://schemas.microsoft.com/office/powerpoint/2010/main" val="689345592"/>
+      </p:ext>
+    </p:extLst>
+  </p:cSld>
+  <p:clrMapOvr>
+    <a:masterClrMapping/>
+  </p:clrMapOvr>
+</p:sld>
+</file>
+
+<file path=ppt/slides/slide7.xml><?xml version="1.0" encoding="utf-8"?>
+<p:sld xmlns:a="http://schemas.openxmlformats.org/drawingml/2006/main" xmlns:r="http://schemas.openxmlformats.org/officeDocument/2006/relationships" xmlns:p="http://schemas.openxmlformats.org/presentationml/2006/main">
+  <p:cSld>
+    <p:spTree>
+      <p:nvGrpSpPr>
+        <p:cNvPr id="1" name=""/>
+        <p:cNvGrpSpPr/>
+        <p:nvPr/>
+      </p:nvGrpSpPr>
+      <p:grpSpPr>
+        <a:xfrm>
+          <a:off x="0" y="0"/>
+          <a:ext cx="0" cy="0"/>
+          <a:chOff x="0" y="0"/>
+          <a:chExt cx="0" cy="0"/>
+        </a:xfrm>
+      </p:grpSpPr>
+      <p:sp>
+        <p:nvSpPr>
+          <p:cNvPr id="2" name="Title 1"/>
+          <p:cNvSpPr>
+            <a:spLocks noGrp="1"/>
+          </p:cNvSpPr>
+          <p:nvPr>
+            <p:ph type="title"/>
+          </p:nvPr>
+        </p:nvSpPr>
+        <p:spPr/>
+        <p:txBody>
+          <a:bodyPr>
+            <a:normAutofit/>
+          </a:bodyPr>
+          <a:lstStyle/>
+          <a:p>
+            <a:r>
+              <a:rPr lang="en-US" sz="3200" dirty="0"/>
+              <a:t>Functional Requirements</a:t>
+            </a:r>
+          </a:p>
+        </p:txBody>
+      </p:sp>
+      <p:sp>
+        <p:nvSpPr>
+          <p:cNvPr id="3" name="Content Placeholder 2"/>
+          <p:cNvSpPr>
+            <a:spLocks noGrp="1"/>
+          </p:cNvSpPr>
+          <p:nvPr>
+            <p:ph idx="1"/>
+          </p:nvPr>
+        </p:nvSpPr>
+        <p:spPr/>
+        <p:txBody>
+          <a:bodyPr>
+            <a:normAutofit fontScale="92500" lnSpcReduction="10000"/>
+          </a:bodyPr>
+          <a:lstStyle/>
+          <a:p>
+            <a:pPr lvl="1"/>
+            <a:r>
+              <a:rPr lang="en-US" strike="sngStrike" dirty="0">
+                <a:solidFill>
+                  <a:srgbClr val="FF0000"/>
+                </a:solidFill>
+              </a:rPr>
+              <a:t>Accept orders with price in proper range, which means 10% away from last price.  Reject the rest orders with reason</a:t>
+            </a:r>
+          </a:p>
+          <a:p>
+            <a:pPr lvl="1"/>
+            <a:r>
+              <a:rPr lang="en-US" strike="sngStrike" dirty="0">
+                <a:solidFill>
+                  <a:srgbClr val="FF0000"/>
+                </a:solidFill>
+              </a:rPr>
+              <a:t>Accept orders with notional value in proper range, which means within 20% of total tradable value of the target stock</a:t>
+            </a:r>
+          </a:p>
+          <a:p>
+            <a:pPr lvl="1"/>
+            <a:r>
+              <a:rPr lang="en-US" strike="sngStrike" dirty="0">
+                <a:solidFill>
+                  <a:srgbClr val="FF0000"/>
+                </a:solidFill>
+              </a:rPr>
+              <a:t>Accept orders during auction, normal trading session.  Reject orders after close, before open.</a:t>
+            </a:r>
+          </a:p>
+          <a:p>
+            <a:pPr lvl="1"/>
+            <a:r>
+              <a:rPr lang="en-US" dirty="0"/>
+              <a:t>All communications should based on FIX4.2</a:t>
+            </a:r>
+          </a:p>
+          <a:p>
+            <a:pPr lvl="1"/>
+            <a:r>
+              <a:rPr lang="en-US" strike="sngStrike" dirty="0">
+                <a:solidFill>
+                  <a:srgbClr val="FF0000"/>
+                </a:solidFill>
+              </a:rPr>
+              <a:t>Trading schedule should be configurable. For example, auction could start from 11:00am when required</a:t>
+            </a:r>
+          </a:p>
+          <a:p>
+            <a:endParaRPr lang="en-US" dirty="0"/>
+          </a:p>
+        </p:txBody>
+      </p:sp>
+    </p:spTree>
+    <p:extLst>
+      <p:ext uri="{BB962C8B-B14F-4D97-AF65-F5344CB8AC3E}">
+        <p14:creationId xmlns:p14="http://schemas.microsoft.com/office/powerpoint/2010/main" val="345684855"/>
+      </p:ext>
+    </p:extLst>
+  </p:cSld>
+  <p:clrMapOvr>
+    <a:masterClrMapping/>
+  </p:clrMapOvr>
+</p:sld>
+</file>
+
+<file path=ppt/slides/slide8.xml><?xml version="1.0" encoding="utf-8"?>
+<p:sld xmlns:a="http://schemas.openxmlformats.org/drawingml/2006/main" xmlns:r="http://schemas.openxmlformats.org/officeDocument/2006/relationships" xmlns:p="http://schemas.openxmlformats.org/presentationml/2006/main">
+  <p:cSld>
+    <p:spTree>
+      <p:nvGrpSpPr>
+        <p:cNvPr id="1" name=""/>
+        <p:cNvGrpSpPr/>
+        <p:nvPr/>
+      </p:nvGrpSpPr>
+      <p:grpSpPr>
+        <a:xfrm>
+          <a:off x="0" y="0"/>
+          <a:ext cx="0" cy="0"/>
+          <a:chOff x="0" y="0"/>
+          <a:chExt cx="0" cy="0"/>
+        </a:xfrm>
+      </p:grpSpPr>
+      <p:sp>
+        <p:nvSpPr>
+          <p:cNvPr id="2" name="Title 1"/>
+          <p:cNvSpPr>
+            <a:spLocks noGrp="1"/>
+          </p:cNvSpPr>
+          <p:nvPr>
+            <p:ph type="title"/>
+          </p:nvPr>
+        </p:nvSpPr>
+        <p:spPr/>
+        <p:txBody>
+          <a:bodyPr>
+            <a:normAutofit/>
+          </a:bodyPr>
+          <a:lstStyle/>
+          <a:p>
+            <a:r>
+              <a:rPr lang="en-US" sz="3200" dirty="0"/>
+              <a:t>Non-functional Requirements</a:t>
+            </a:r>
+          </a:p>
+        </p:txBody>
+      </p:sp>
+      <p:sp>
+        <p:nvSpPr>
+          <p:cNvPr id="3" name="Content Placeholder 2"/>
+          <p:cNvSpPr>
+            <a:spLocks noGrp="1"/>
+          </p:cNvSpPr>
+          <p:nvPr>
+            <p:ph idx="1"/>
+          </p:nvPr>
+        </p:nvSpPr>
+        <p:spPr/>
+        <p:txBody>
+          <a:bodyPr>
+            <a:normAutofit fontScale="70000" lnSpcReduction="20000"/>
+          </a:bodyPr>
+          <a:lstStyle/>
+          <a:p>
+            <a:pPr lvl="1"/>
+            <a:r>
+              <a:rPr lang="en-US" strike="sngStrike" dirty="0">
+                <a:solidFill>
+                  <a:srgbClr val="FF0000"/>
+                </a:solidFill>
+              </a:rPr>
+              <a:t>Scalability: have multiple instances of the system running, sharing each other’s work load</a:t>
+            </a:r>
+          </a:p>
+          <a:p>
+            <a:pPr lvl="1"/>
+            <a:r>
+              <a:rPr lang="en-US" strike="sngStrike" dirty="0">
+                <a:solidFill>
+                  <a:srgbClr val="FF0000"/>
+                </a:solidFill>
+              </a:rPr>
+              <a:t>System must have authentication and authorization mechanism, administrator and operator have different permission to view the order books. </a:t>
+            </a:r>
+          </a:p>
+          <a:p>
+            <a:pPr lvl="1"/>
+            <a:r>
+              <a:rPr lang="en-US" strike="sngStrike" dirty="0">
+                <a:solidFill>
+                  <a:srgbClr val="FF0000"/>
+                </a:solidFill>
+              </a:rPr>
+              <a:t>When system goes down un-expectantly (process crash, machine failure, lose of power), after restart it needs to remember current order book details.</a:t>
+            </a:r>
+          </a:p>
+          <a:p>
+            <a:pPr lvl="1"/>
+            <a:r>
+              <a:rPr lang="en-US" dirty="0"/>
+              <a:t>Has GUI tool could switch stocks to “on hold” mode , means not tradable, publish “on hold” message to exchange members, and switch back to normal trading mode.  This function should limited to “administrator”.</a:t>
+            </a:r>
+          </a:p>
+          <a:p>
+            <a:pPr lvl="1"/>
+            <a:r>
+              <a:rPr lang="en-US" strike="sngStrike" dirty="0">
+                <a:solidFill>
+                  <a:srgbClr val="FF0000"/>
+                </a:solidFill>
+              </a:rPr>
+              <a:t>Provide “stop execution” function.</a:t>
+            </a:r>
+          </a:p>
+          <a:p>
+            <a:pPr lvl="1"/>
+            <a:r>
+              <a:rPr lang="en-US" strike="sngStrike" dirty="0">
+                <a:solidFill>
+                  <a:srgbClr val="FF0000"/>
+                </a:solidFill>
+              </a:rPr>
+              <a:t>Provide “special auction” function for specific stocks when buy or sell pressure is unbalanced, with breach of price limit.</a:t>
+            </a:r>
+          </a:p>
+          <a:p>
+            <a:pPr lvl="1"/>
+            <a:r>
+              <a:rPr lang="en-US" strike="sngStrike" dirty="0">
+                <a:solidFill>
+                  <a:srgbClr val="FF0000"/>
+                </a:solidFill>
+              </a:rPr>
+              <a:t>Provide pre-defined stock universe data publish based on request</a:t>
+            </a:r>
+          </a:p>
+          <a:p>
+            <a:endParaRPr lang="en-US" dirty="0"/>
+          </a:p>
+        </p:txBody>
+      </p:sp>
+    </p:spTree>
+    <p:extLst>
+      <p:ext uri="{BB962C8B-B14F-4D97-AF65-F5344CB8AC3E}">
+        <p14:creationId xmlns:p14="http://schemas.microsoft.com/office/powerpoint/2010/main" val="2271011307"/>
+      </p:ext>
+    </p:extLst>
+  </p:cSld>
+  <p:clrMapOvr>
+    <a:masterClrMapping/>
+  </p:clrMapOvr>
+</p:sld>
+</file>
+
+<file path=ppt/slides/slide9.xml><?xml version="1.0" encoding="utf-8"?>
+<p:sld xmlns:a="http://schemas.openxmlformats.org/drawingml/2006/main" xmlns:r="http://schemas.openxmlformats.org/officeDocument/2006/relationships" xmlns:p="http://schemas.openxmlformats.org/presentationml/2006/main">
+  <p:cSld>
+    <p:spTree>
+      <p:nvGrpSpPr>
+        <p:cNvPr id="1" name=""/>
+        <p:cNvGrpSpPr/>
+        <p:nvPr/>
+      </p:nvGrpSpPr>
+      <p:grpSpPr>
+        <a:xfrm>
+          <a:off x="0" y="0"/>
+          <a:ext cx="0" cy="0"/>
+          <a:chOff x="0" y="0"/>
+          <a:chExt cx="0" cy="0"/>
+        </a:xfrm>
+      </p:grpSpPr>
+      <p:sp>
+        <p:nvSpPr>
+          <p:cNvPr id="2" name="Titel 1"/>
+          <p:cNvSpPr>
+            <a:spLocks noGrp="1"/>
+          </p:cNvSpPr>
+          <p:nvPr>
+            <p:ph type="title"/>
+          </p:nvPr>
+        </p:nvSpPr>
+        <p:spPr/>
+        <p:txBody>
+          <a:bodyPr/>
+          <a:lstStyle/>
+          <a:p>
+            <a:r>
+              <a:rPr lang="de-DE" dirty="0"/>
+              <a:t>Communication</a:t>
+            </a:r>
+          </a:p>
+        </p:txBody>
+      </p:sp>
+      <p:sp>
+        <p:nvSpPr>
+          <p:cNvPr id="3" name="Inhaltsplatzhalter 2"/>
+          <p:cNvSpPr>
+            <a:spLocks noGrp="1"/>
+          </p:cNvSpPr>
+          <p:nvPr>
+            <p:ph idx="1"/>
+          </p:nvPr>
+        </p:nvSpPr>
+        <p:spPr/>
+        <p:txBody>
+          <a:bodyPr/>
+          <a:lstStyle/>
+          <a:p>
+            <a:endParaRPr lang="de-DE"/>
+          </a:p>
+        </p:txBody>
+      </p:sp>
+    </p:spTree>
+    <p:extLst>
+      <p:ext uri="{BB962C8B-B14F-4D97-AF65-F5344CB8AC3E}">
+        <p14:creationId xmlns:p14="http://schemas.microsoft.com/office/powerpoint/2010/main" val="3135957123"/>
       </p:ext>
     </p:extLst>
   </p:cSld>

--- a/presentations/ExchangeSimulator2.pptx
+++ b/presentations/ExchangeSimulator2.pptx
@@ -5,7 +5,7 @@
     <p:sldMasterId id="2147483714" r:id="rId1"/>
   </p:sldMasterIdLst>
   <p:notesMasterIdLst>
-    <p:notesMasterId r:id="rId21"/>
+    <p:notesMasterId r:id="rId22"/>
   </p:notesMasterIdLst>
   <p:sldIdLst>
     <p:sldId id="256" r:id="rId2"/>
@@ -27,6 +27,7 @@
     <p:sldId id="259" r:id="rId18"/>
     <p:sldId id="260" r:id="rId19"/>
     <p:sldId id="267" r:id="rId20"/>
+    <p:sldId id="275" r:id="rId21"/>
   </p:sldIdLst>
   <p:sldSz cx="12192000" cy="6858000"/>
   <p:notesSz cx="6858000" cy="9144000"/>
@@ -8303,6 +8304,144 @@
     <p:extLst>
       <p:ext uri="{BB962C8B-B14F-4D97-AF65-F5344CB8AC3E}">
         <p14:creationId xmlns:p14="http://schemas.microsoft.com/office/powerpoint/2010/main" val="4015927335"/>
+      </p:ext>
+    </p:extLst>
+  </p:cSld>
+  <p:clrMapOvr>
+    <a:masterClrMapping/>
+  </p:clrMapOvr>
+</p:sld>
+</file>
+
+<file path=ppt/slides/slide20.xml><?xml version="1.0" encoding="utf-8"?>
+<p:sld xmlns:a="http://schemas.openxmlformats.org/drawingml/2006/main" xmlns:r="http://schemas.openxmlformats.org/officeDocument/2006/relationships" xmlns:p="http://schemas.openxmlformats.org/presentationml/2006/main">
+  <p:cSld>
+    <p:spTree>
+      <p:nvGrpSpPr>
+        <p:cNvPr id="1" name=""/>
+        <p:cNvGrpSpPr/>
+        <p:nvPr/>
+      </p:nvGrpSpPr>
+      <p:grpSpPr>
+        <a:xfrm>
+          <a:off x="0" y="0"/>
+          <a:ext cx="0" cy="0"/>
+          <a:chOff x="0" y="0"/>
+          <a:chExt cx="0" cy="0"/>
+        </a:xfrm>
+      </p:grpSpPr>
+      <p:sp>
+        <p:nvSpPr>
+          <p:cNvPr id="4" name="Titel 3"/>
+          <p:cNvSpPr>
+            <a:spLocks noGrp="1"/>
+          </p:cNvSpPr>
+          <p:nvPr>
+            <p:ph type="ctrTitle"/>
+          </p:nvPr>
+        </p:nvSpPr>
+        <p:spPr>
+          <a:xfrm>
+            <a:off x="1927273" y="929902"/>
+            <a:ext cx="9575749" cy="2616199"/>
+          </a:xfrm>
+        </p:spPr>
+        <p:txBody>
+          <a:bodyPr/>
+          <a:lstStyle/>
+          <a:p>
+            <a:r>
+              <a:rPr lang="de-DE" dirty="0"/>
+              <a:t>Do </a:t>
+            </a:r>
+            <a:r>
+              <a:rPr lang="de-DE" dirty="0" err="1"/>
+              <a:t>you</a:t>
+            </a:r>
+            <a:r>
+              <a:rPr lang="de-DE" dirty="0"/>
+              <a:t> </a:t>
+            </a:r>
+            <a:r>
+              <a:rPr lang="de-DE" dirty="0" err="1"/>
+              <a:t>have</a:t>
+            </a:r>
+            <a:r>
+              <a:rPr lang="de-DE" dirty="0"/>
+              <a:t> </a:t>
+            </a:r>
+            <a:r>
+              <a:rPr lang="de-DE" dirty="0" err="1"/>
+              <a:t>any</a:t>
+            </a:r>
+            <a:r>
+              <a:rPr lang="de-DE" dirty="0"/>
+              <a:t> </a:t>
+            </a:r>
+            <a:r>
+              <a:rPr lang="de-DE" dirty="0" err="1"/>
+              <a:t>questions</a:t>
+            </a:r>
+            <a:r>
+              <a:rPr lang="de-DE" dirty="0"/>
+              <a:t>???</a:t>
+            </a:r>
+          </a:p>
+        </p:txBody>
+      </p:sp>
+      <p:sp>
+        <p:nvSpPr>
+          <p:cNvPr id="5" name="Untertitel 4"/>
+          <p:cNvSpPr>
+            <a:spLocks noGrp="1"/>
+          </p:cNvSpPr>
+          <p:nvPr>
+            <p:ph type="subTitle" idx="1"/>
+          </p:nvPr>
+        </p:nvSpPr>
+        <p:spPr/>
+        <p:txBody>
+          <a:bodyPr>
+            <a:normAutofit/>
+          </a:bodyPr>
+          <a:lstStyle/>
+          <a:p>
+            <a:r>
+              <a:rPr lang="de-DE" sz="2800" b="1" dirty="0" err="1"/>
+              <a:t>Thank</a:t>
+            </a:r>
+            <a:r>
+              <a:rPr lang="de-DE" sz="2800" b="1" dirty="0"/>
+              <a:t> </a:t>
+            </a:r>
+            <a:r>
+              <a:rPr lang="de-DE" sz="2800" b="1" dirty="0" err="1"/>
+              <a:t>you</a:t>
+            </a:r>
+            <a:r>
+              <a:rPr lang="de-DE" sz="2800" b="1" dirty="0"/>
+              <a:t> </a:t>
+            </a:r>
+            <a:r>
+              <a:rPr lang="de-DE" sz="2800" b="1" dirty="0" err="1"/>
+              <a:t>for</a:t>
+            </a:r>
+            <a:r>
+              <a:rPr lang="de-DE" sz="2800" b="1" dirty="0"/>
+              <a:t> </a:t>
+            </a:r>
+            <a:r>
+              <a:rPr lang="de-DE" sz="2800" b="1" dirty="0" err="1"/>
+              <a:t>listening</a:t>
+            </a:r>
+            <a:endParaRPr lang="de-DE" sz="2800" b="1" dirty="0"/>
+          </a:p>
+        </p:txBody>
+      </p:sp>
+    </p:spTree>
+    <p:extLst>
+      <p:ext uri="{BB962C8B-B14F-4D97-AF65-F5344CB8AC3E}">
+        <p14:creationId xmlns:p14="http://schemas.microsoft.com/office/powerpoint/2010/main" val="485310919"/>
       </p:ext>
     </p:extLst>
   </p:cSld>

--- a/presentations/ExchangeSimulator2.pptx
+++ b/presentations/ExchangeSimulator2.pptx
@@ -5,29 +5,20 @@
     <p:sldMasterId id="2147483714" r:id="rId1"/>
   </p:sldMasterIdLst>
   <p:notesMasterIdLst>
-    <p:notesMasterId r:id="rId22"/>
+    <p:notesMasterId r:id="rId13"/>
   </p:notesMasterIdLst>
   <p:sldIdLst>
     <p:sldId id="256" r:id="rId2"/>
     <p:sldId id="257" r:id="rId3"/>
     <p:sldId id="258" r:id="rId4"/>
     <p:sldId id="262" r:id="rId5"/>
-    <p:sldId id="261" r:id="rId6"/>
-    <p:sldId id="268" r:id="rId7"/>
-    <p:sldId id="271" r:id="rId8"/>
-    <p:sldId id="273" r:id="rId9"/>
-    <p:sldId id="263" r:id="rId10"/>
-    <p:sldId id="264" r:id="rId11"/>
-    <p:sldId id="269" r:id="rId12"/>
-    <p:sldId id="272" r:id="rId13"/>
-    <p:sldId id="265" r:id="rId14"/>
-    <p:sldId id="266" r:id="rId15"/>
-    <p:sldId id="270" r:id="rId16"/>
-    <p:sldId id="274" r:id="rId17"/>
-    <p:sldId id="259" r:id="rId18"/>
-    <p:sldId id="260" r:id="rId19"/>
-    <p:sldId id="267" r:id="rId20"/>
-    <p:sldId id="275" r:id="rId21"/>
+    <p:sldId id="259" r:id="rId6"/>
+    <p:sldId id="260" r:id="rId7"/>
+    <p:sldId id="267" r:id="rId8"/>
+    <p:sldId id="270" r:id="rId9"/>
+    <p:sldId id="272" r:id="rId10"/>
+    <p:sldId id="274" r:id="rId11"/>
+    <p:sldId id="275" r:id="rId12"/>
   </p:sldIdLst>
   <p:sldSz cx="12192000" cy="6858000"/>
   <p:notesSz cx="6858000" cy="9144000"/>
@@ -6869,7 +6860,7 @@
           <a:p>
             <a:r>
               <a:rPr lang="en-US" sz="3200" dirty="0"/>
-              <a:t>Functional Requirements</a:t>
+              <a:t>Non-functional Requirements</a:t>
             </a:r>
           </a:p>
         </p:txBody>
@@ -6887,71 +6878,60 @@
         <p:spPr/>
         <p:txBody>
           <a:bodyPr>
-            <a:normAutofit fontScale="62500" lnSpcReduction="20000"/>
+            <a:normAutofit fontScale="70000" lnSpcReduction="20000"/>
           </a:bodyPr>
           <a:lstStyle/>
           <a:p>
+            <a:pPr lvl="1"/>
             <a:r>
               <a:rPr lang="en-US" strike="sngStrike" dirty="0"/>
-              <a:t>Order</a:t>
-            </a:r>
-          </a:p>
-          <a:p>
+              <a:t>Scalability: have multiple instances of the system running, sharing each other’s work load</a:t>
+            </a:r>
+          </a:p>
+          <a:p>
+            <a:pPr lvl="1"/>
             <a:r>
               <a:rPr lang="en-US" strike="sngStrike" dirty="0"/>
-              <a:t>Execution</a:t>
-            </a:r>
-          </a:p>
-          <a:p>
+              <a:t>System must have authentication and authorization mechanism, administrator and operator have different permission to view the order books. </a:t>
+            </a:r>
+          </a:p>
+          <a:p>
+            <a:pPr lvl="1"/>
             <a:r>
               <a:rPr lang="en-US" strike="sngStrike" dirty="0"/>
-              <a:t>Stock universe</a:t>
-            </a:r>
-          </a:p>
-          <a:p>
+              <a:t>When system goes down un-expectantly (process crash, machine failure, lose of power), after restart it needs to remember current order book details.</a:t>
+            </a:r>
+          </a:p>
+          <a:p>
+            <a:pPr lvl="1"/>
+            <a:r>
+              <a:rPr lang="en-US" strike="sngStrike" dirty="0">
+                <a:solidFill>
+                  <a:srgbClr val="FF0000"/>
+                </a:solidFill>
+              </a:rPr>
+              <a:t>Has GUI tool could switch stocks to “on hold” mode , means not tradable, publish “on hold” message to exchange members, and switch back to normal trading mode.  This function should limited to “administrator”.</a:t>
+            </a:r>
+          </a:p>
+          <a:p>
+            <a:pPr lvl="1"/>
             <a:r>
               <a:rPr lang="en-US" strike="sngStrike" dirty="0"/>
-              <a:t>Lot size</a:t>
-            </a:r>
-          </a:p>
-          <a:p>
+              <a:t>Provide “stop execution” function.</a:t>
+            </a:r>
+          </a:p>
+          <a:p>
+            <a:pPr lvl="1"/>
             <a:r>
               <a:rPr lang="en-US" strike="sngStrike" dirty="0"/>
-              <a:t>Tick size</a:t>
-            </a:r>
-          </a:p>
-          <a:p>
+              <a:t>Provide “special auction” function for specific stocks when buy or sell pressure is unbalanced, with breach of price limit.</a:t>
+            </a:r>
+          </a:p>
+          <a:p>
+            <a:pPr lvl="1"/>
             <a:r>
               <a:rPr lang="en-US" strike="sngStrike" dirty="0"/>
-              <a:t>Trading schedule</a:t>
-            </a:r>
-          </a:p>
-          <a:p>
-            <a:r>
-              <a:rPr lang="en-US" dirty="0"/>
-              <a:t>Matching mechanisms</a:t>
-            </a:r>
-          </a:p>
-          <a:p>
-            <a:r>
-              <a:rPr lang="en-US" dirty="0"/>
-              <a:t>Stock data publishing</a:t>
-            </a:r>
-          </a:p>
-          <a:p>
-            <a:r>
-              <a:rPr lang="en-US" strike="sngStrike" dirty="0">
-                <a:solidFill>
-                  <a:srgbClr val="FF0000"/>
-                </a:solidFill>
-              </a:rPr>
-              <a:t>Order and execution reporting</a:t>
-            </a:r>
-          </a:p>
-          <a:p>
-            <a:r>
-              <a:rPr lang="en-US" strike="sngStrike" dirty="0"/>
-              <a:t>Exchange members</a:t>
+              <a:t>Provide pre-defined stock universe data publish based on request</a:t>
             </a:r>
           </a:p>
           <a:p>
@@ -6962,7 +6942,7 @@
     </p:spTree>
     <p:extLst>
       <p:ext uri="{BB962C8B-B14F-4D97-AF65-F5344CB8AC3E}">
-        <p14:creationId xmlns:p14="http://schemas.microsoft.com/office/powerpoint/2010/main" val="633734957"/>
+        <p14:creationId xmlns:p14="http://schemas.microsoft.com/office/powerpoint/2010/main" val="3995081648"/>
       </p:ext>
     </p:extLst>
   </p:cSld>
@@ -6991,12 +6971,71 @@
       </p:grpSpPr>
       <p:sp>
         <p:nvSpPr>
-          <p:cNvPr id="2" name="Title 1"/>
-          <p:cNvSpPr>
-            <a:spLocks noGrp="1"/>
-          </p:cNvSpPr>
-          <p:nvPr>
-            <p:ph type="title"/>
+          <p:cNvPr id="4" name="Titel 3"/>
+          <p:cNvSpPr>
+            <a:spLocks noGrp="1"/>
+          </p:cNvSpPr>
+          <p:nvPr>
+            <p:ph type="ctrTitle"/>
+          </p:nvPr>
+        </p:nvSpPr>
+        <p:spPr>
+          <a:xfrm>
+            <a:off x="1927273" y="929902"/>
+            <a:ext cx="9575749" cy="2616199"/>
+          </a:xfrm>
+        </p:spPr>
+        <p:txBody>
+          <a:bodyPr/>
+          <a:lstStyle/>
+          <a:p>
+            <a:r>
+              <a:rPr lang="de-DE" dirty="0"/>
+              <a:t>Do </a:t>
+            </a:r>
+            <a:r>
+              <a:rPr lang="de-DE" dirty="0" err="1"/>
+              <a:t>you</a:t>
+            </a:r>
+            <a:r>
+              <a:rPr lang="de-DE" dirty="0"/>
+              <a:t> </a:t>
+            </a:r>
+            <a:r>
+              <a:rPr lang="de-DE" dirty="0" err="1"/>
+              <a:t>have</a:t>
+            </a:r>
+            <a:r>
+              <a:rPr lang="de-DE" dirty="0"/>
+              <a:t> </a:t>
+            </a:r>
+            <a:r>
+              <a:rPr lang="de-DE" dirty="0" err="1"/>
+              <a:t>any</a:t>
+            </a:r>
+            <a:r>
+              <a:rPr lang="de-DE" dirty="0"/>
+              <a:t> </a:t>
+            </a:r>
+            <a:r>
+              <a:rPr lang="de-DE" dirty="0" err="1"/>
+              <a:t>questions</a:t>
+            </a:r>
+            <a:r>
+              <a:rPr lang="de-DE" dirty="0"/>
+              <a:t>???</a:t>
+            </a:r>
+          </a:p>
+        </p:txBody>
+      </p:sp>
+      <p:sp>
+        <p:nvSpPr>
+          <p:cNvPr id="5" name="Untertitel 4"/>
+          <p:cNvSpPr>
+            <a:spLocks noGrp="1"/>
+          </p:cNvSpPr>
+          <p:nvPr>
+            <p:ph type="subTitle" idx="1"/>
           </p:nvPr>
         </p:nvSpPr>
         <p:spPr/>
@@ -7007,1193 +7046,41 @@
           <a:lstStyle/>
           <a:p>
             <a:r>
-              <a:rPr lang="en-US" sz="3200" dirty="0"/>
-              <a:t>Functional Requirements</a:t>
-            </a:r>
-          </a:p>
-        </p:txBody>
-      </p:sp>
-      <p:sp>
-        <p:nvSpPr>
-          <p:cNvPr id="3" name="Content Placeholder 2"/>
-          <p:cNvSpPr>
-            <a:spLocks noGrp="1"/>
-          </p:cNvSpPr>
-          <p:nvPr>
-            <p:ph idx="1"/>
-          </p:nvPr>
-        </p:nvSpPr>
-        <p:spPr/>
-        <p:txBody>
-          <a:bodyPr>
-            <a:normAutofit fontScale="92500" lnSpcReduction="10000"/>
-          </a:bodyPr>
-          <a:lstStyle/>
-          <a:p>
-            <a:pPr lvl="1"/>
-            <a:r>
-              <a:rPr lang="en-US" strike="sngStrike" dirty="0"/>
-              <a:t>Preload a universe of well defined stocks</a:t>
-            </a:r>
-          </a:p>
-          <a:p>
-            <a:pPr lvl="1"/>
-            <a:r>
-              <a:rPr lang="en-US" dirty="0"/>
-              <a:t>Publish tradable stock list to members</a:t>
-            </a:r>
-          </a:p>
-          <a:p>
-            <a:pPr lvl="1"/>
-            <a:r>
-              <a:rPr lang="en-US" strike="sngStrike" dirty="0"/>
-              <a:t>System must have rules to ensure that orders will not be over executed, should be within price range of the original order.   </a:t>
-            </a:r>
-          </a:p>
-          <a:p>
-            <a:pPr lvl="1"/>
-            <a:r>
-              <a:rPr lang="en-US" strike="sngStrike" dirty="0"/>
-              <a:t>All transaction records must be kept for future query.</a:t>
-            </a:r>
-          </a:p>
-          <a:p>
-            <a:pPr lvl="1"/>
-            <a:r>
-              <a:rPr lang="en-US" strike="sngStrike" dirty="0"/>
-              <a:t>Calculate open price accurately.</a:t>
-            </a:r>
-          </a:p>
-          <a:p>
-            <a:pPr lvl="1"/>
-            <a:r>
-              <a:rPr lang="en-US" strike="sngStrike" dirty="0">
-                <a:solidFill>
-                  <a:srgbClr val="FF0000"/>
-                </a:solidFill>
-              </a:rPr>
-              <a:t>Has knowledge of the price of stock got executed last time, last trading day’s close price of each stock</a:t>
-            </a:r>
-          </a:p>
-          <a:p>
-            <a:endParaRPr lang="en-US" dirty="0"/>
+              <a:rPr lang="de-DE" sz="2800" b="1" dirty="0" err="1"/>
+              <a:t>Thank</a:t>
+            </a:r>
+            <a:r>
+              <a:rPr lang="de-DE" sz="2800" b="1" dirty="0"/>
+              <a:t> </a:t>
+            </a:r>
+            <a:r>
+              <a:rPr lang="de-DE" sz="2800" b="1" dirty="0" err="1"/>
+              <a:t>you</a:t>
+            </a:r>
+            <a:r>
+              <a:rPr lang="de-DE" sz="2800" b="1" dirty="0"/>
+              <a:t> </a:t>
+            </a:r>
+            <a:r>
+              <a:rPr lang="de-DE" sz="2800" b="1" dirty="0" err="1"/>
+              <a:t>for</a:t>
+            </a:r>
+            <a:r>
+              <a:rPr lang="de-DE" sz="2800" b="1" dirty="0"/>
+              <a:t> </a:t>
+            </a:r>
+            <a:r>
+              <a:rPr lang="de-DE" sz="2800" b="1" dirty="0" err="1"/>
+              <a:t>listening</a:t>
+            </a:r>
+            <a:endParaRPr lang="de-DE" sz="2800" b="1" dirty="0"/>
           </a:p>
         </p:txBody>
       </p:sp>
     </p:spTree>
     <p:extLst>
       <p:ext uri="{BB962C8B-B14F-4D97-AF65-F5344CB8AC3E}">
-        <p14:creationId xmlns:p14="http://schemas.microsoft.com/office/powerpoint/2010/main" val="1808941470"/>
-      </p:ext>
-    </p:extLst>
-  </p:cSld>
-  <p:clrMapOvr>
-    <a:masterClrMapping/>
-  </p:clrMapOvr>
-</p:sld>
-</file>
-
-<file path=ppt/slides/slide12.xml><?xml version="1.0" encoding="utf-8"?>
-<p:sld xmlns:a="http://schemas.openxmlformats.org/drawingml/2006/main" xmlns:r="http://schemas.openxmlformats.org/officeDocument/2006/relationships" xmlns:p="http://schemas.openxmlformats.org/presentationml/2006/main">
-  <p:cSld>
-    <p:spTree>
-      <p:nvGrpSpPr>
-        <p:cNvPr id="1" name=""/>
-        <p:cNvGrpSpPr/>
-        <p:nvPr/>
-      </p:nvGrpSpPr>
-      <p:grpSpPr>
-        <a:xfrm>
-          <a:off x="0" y="0"/>
-          <a:ext cx="0" cy="0"/>
-          <a:chOff x="0" y="0"/>
-          <a:chExt cx="0" cy="0"/>
-        </a:xfrm>
-      </p:grpSpPr>
-      <p:sp>
-        <p:nvSpPr>
-          <p:cNvPr id="2" name="Title 1"/>
-          <p:cNvSpPr>
-            <a:spLocks noGrp="1"/>
-          </p:cNvSpPr>
-          <p:nvPr>
-            <p:ph type="title"/>
-          </p:nvPr>
-        </p:nvSpPr>
-        <p:spPr/>
-        <p:txBody>
-          <a:bodyPr>
-            <a:normAutofit/>
-          </a:bodyPr>
-          <a:lstStyle/>
-          <a:p>
-            <a:r>
-              <a:rPr lang="en-US" sz="3200" dirty="0"/>
-              <a:t>Functional Requirements</a:t>
-            </a:r>
-          </a:p>
-        </p:txBody>
-      </p:sp>
-      <p:sp>
-        <p:nvSpPr>
-          <p:cNvPr id="3" name="Content Placeholder 2"/>
-          <p:cNvSpPr>
-            <a:spLocks noGrp="1"/>
-          </p:cNvSpPr>
-          <p:nvPr>
-            <p:ph idx="1"/>
-          </p:nvPr>
-        </p:nvSpPr>
-        <p:spPr/>
-        <p:txBody>
-          <a:bodyPr>
-            <a:normAutofit fontScale="92500" lnSpcReduction="10000"/>
-          </a:bodyPr>
-          <a:lstStyle/>
-          <a:p>
-            <a:pPr lvl="1"/>
-            <a:r>
-              <a:rPr lang="en-US" strike="sngStrike" dirty="0"/>
-              <a:t>Accept orders with price in proper range, which means 10% away from last price.  Reject the rest orders with reason</a:t>
-            </a:r>
-          </a:p>
-          <a:p>
-            <a:pPr lvl="1"/>
-            <a:r>
-              <a:rPr lang="en-US" strike="sngStrike" dirty="0"/>
-              <a:t>Accept orders with notional value in proper range, which means within 20% of total tradable value of the target stock</a:t>
-            </a:r>
-          </a:p>
-          <a:p>
-            <a:pPr lvl="1"/>
-            <a:r>
-              <a:rPr lang="en-US" strike="sngStrike" dirty="0"/>
-              <a:t>Accept orders during auction, normal trading session.  Reject orders after close, before open.</a:t>
-            </a:r>
-          </a:p>
-          <a:p>
-            <a:pPr lvl="1"/>
-            <a:r>
-              <a:rPr lang="en-US" strike="sngStrike" dirty="0">
-                <a:solidFill>
-                  <a:srgbClr val="FF0000"/>
-                </a:solidFill>
-              </a:rPr>
-              <a:t>All communications should based on FIX4.2</a:t>
-            </a:r>
-          </a:p>
-          <a:p>
-            <a:pPr lvl="1"/>
-            <a:r>
-              <a:rPr lang="en-US" strike="sngStrike" dirty="0"/>
-              <a:t>Trading schedule should be configurable. For example, auction could start from 11:00am when required</a:t>
-            </a:r>
-          </a:p>
-          <a:p>
-            <a:endParaRPr lang="en-US" dirty="0"/>
-          </a:p>
-        </p:txBody>
-      </p:sp>
-    </p:spTree>
-    <p:extLst>
-      <p:ext uri="{BB962C8B-B14F-4D97-AF65-F5344CB8AC3E}">
-        <p14:creationId xmlns:p14="http://schemas.microsoft.com/office/powerpoint/2010/main" val="921968368"/>
-      </p:ext>
-    </p:extLst>
-  </p:cSld>
-  <p:clrMapOvr>
-    <a:masterClrMapping/>
-  </p:clrMapOvr>
-</p:sld>
-</file>
-
-<file path=ppt/slides/slide13.xml><?xml version="1.0" encoding="utf-8"?>
-<p:sld xmlns:a="http://schemas.openxmlformats.org/drawingml/2006/main" xmlns:r="http://schemas.openxmlformats.org/officeDocument/2006/relationships" xmlns:p="http://schemas.openxmlformats.org/presentationml/2006/main">
-  <p:cSld>
-    <p:spTree>
-      <p:nvGrpSpPr>
-        <p:cNvPr id="1" name=""/>
-        <p:cNvGrpSpPr/>
-        <p:nvPr/>
-      </p:nvGrpSpPr>
-      <p:grpSpPr>
-        <a:xfrm>
-          <a:off x="0" y="0"/>
-          <a:ext cx="0" cy="0"/>
-          <a:chOff x="0" y="0"/>
-          <a:chExt cx="0" cy="0"/>
-        </a:xfrm>
-      </p:grpSpPr>
-      <p:sp>
-        <p:nvSpPr>
-          <p:cNvPr id="2" name="Titel 1"/>
-          <p:cNvSpPr>
-            <a:spLocks noGrp="1"/>
-          </p:cNvSpPr>
-          <p:nvPr>
-            <p:ph type="title"/>
-          </p:nvPr>
-        </p:nvSpPr>
-        <p:spPr/>
-        <p:txBody>
-          <a:bodyPr/>
-          <a:lstStyle/>
-          <a:p>
-            <a:r>
-              <a:rPr lang="de-DE" dirty="0"/>
-              <a:t>GUI</a:t>
-            </a:r>
-          </a:p>
-        </p:txBody>
-      </p:sp>
-      <p:sp>
-        <p:nvSpPr>
-          <p:cNvPr id="3" name="Inhaltsplatzhalter 2"/>
-          <p:cNvSpPr>
-            <a:spLocks noGrp="1"/>
-          </p:cNvSpPr>
-          <p:nvPr>
-            <p:ph idx="1"/>
-          </p:nvPr>
-        </p:nvSpPr>
-        <p:spPr/>
-        <p:txBody>
-          <a:bodyPr/>
-          <a:lstStyle/>
-          <a:p>
-            <a:endParaRPr lang="de-DE"/>
-          </a:p>
-        </p:txBody>
-      </p:sp>
-    </p:spTree>
-    <p:extLst>
-      <p:ext uri="{BB962C8B-B14F-4D97-AF65-F5344CB8AC3E}">
-        <p14:creationId xmlns:p14="http://schemas.microsoft.com/office/powerpoint/2010/main" val="2430502408"/>
-      </p:ext>
-    </p:extLst>
-  </p:cSld>
-  <p:clrMapOvr>
-    <a:masterClrMapping/>
-  </p:clrMapOvr>
-</p:sld>
-</file>
-
-<file path=ppt/slides/slide14.xml><?xml version="1.0" encoding="utf-8"?>
-<p:sld xmlns:a="http://schemas.openxmlformats.org/drawingml/2006/main" xmlns:r="http://schemas.openxmlformats.org/officeDocument/2006/relationships" xmlns:p="http://schemas.openxmlformats.org/presentationml/2006/main">
-  <p:cSld>
-    <p:spTree>
-      <p:nvGrpSpPr>
-        <p:cNvPr id="1" name=""/>
-        <p:cNvGrpSpPr/>
-        <p:nvPr/>
-      </p:nvGrpSpPr>
-      <p:grpSpPr>
-        <a:xfrm>
-          <a:off x="0" y="0"/>
-          <a:ext cx="0" cy="0"/>
-          <a:chOff x="0" y="0"/>
-          <a:chExt cx="0" cy="0"/>
-        </a:xfrm>
-      </p:grpSpPr>
-      <p:sp>
-        <p:nvSpPr>
-          <p:cNvPr id="2" name="Title 1"/>
-          <p:cNvSpPr>
-            <a:spLocks noGrp="1"/>
-          </p:cNvSpPr>
-          <p:nvPr>
-            <p:ph type="title"/>
-          </p:nvPr>
-        </p:nvSpPr>
-        <p:spPr/>
-        <p:txBody>
-          <a:bodyPr>
-            <a:normAutofit/>
-          </a:bodyPr>
-          <a:lstStyle/>
-          <a:p>
-            <a:r>
-              <a:rPr lang="en-US" sz="3200" dirty="0"/>
-              <a:t>Functional Requirements</a:t>
-            </a:r>
-          </a:p>
-        </p:txBody>
-      </p:sp>
-      <p:sp>
-        <p:nvSpPr>
-          <p:cNvPr id="3" name="Content Placeholder 2"/>
-          <p:cNvSpPr>
-            <a:spLocks noGrp="1"/>
-          </p:cNvSpPr>
-          <p:nvPr>
-            <p:ph idx="1"/>
-          </p:nvPr>
-        </p:nvSpPr>
-        <p:spPr/>
-        <p:txBody>
-          <a:bodyPr>
-            <a:normAutofit fontScale="62500" lnSpcReduction="20000"/>
-          </a:bodyPr>
-          <a:lstStyle/>
-          <a:p>
-            <a:r>
-              <a:rPr lang="en-US" strike="sngStrike" dirty="0"/>
-              <a:t>Order</a:t>
-            </a:r>
-          </a:p>
-          <a:p>
-            <a:r>
-              <a:rPr lang="en-US" strike="sngStrike" dirty="0"/>
-              <a:t>Execution</a:t>
-            </a:r>
-          </a:p>
-          <a:p>
-            <a:r>
-              <a:rPr lang="en-US" strike="sngStrike" dirty="0"/>
-              <a:t>Stock universe</a:t>
-            </a:r>
-          </a:p>
-          <a:p>
-            <a:r>
-              <a:rPr lang="en-US" strike="sngStrike" dirty="0"/>
-              <a:t>Lot size</a:t>
-            </a:r>
-          </a:p>
-          <a:p>
-            <a:r>
-              <a:rPr lang="en-US" strike="sngStrike" dirty="0"/>
-              <a:t>Tick size</a:t>
-            </a:r>
-          </a:p>
-          <a:p>
-            <a:r>
-              <a:rPr lang="en-US" strike="sngStrike" dirty="0"/>
-              <a:t>Trading schedule</a:t>
-            </a:r>
-          </a:p>
-          <a:p>
-            <a:r>
-              <a:rPr lang="en-US" dirty="0"/>
-              <a:t>Matching mechanisms</a:t>
-            </a:r>
-          </a:p>
-          <a:p>
-            <a:r>
-              <a:rPr lang="en-US" strike="sngStrike" dirty="0">
-                <a:solidFill>
-                  <a:srgbClr val="FF0000"/>
-                </a:solidFill>
-              </a:rPr>
-              <a:t>Stock data publishing</a:t>
-            </a:r>
-          </a:p>
-          <a:p>
-            <a:r>
-              <a:rPr lang="en-US" strike="sngStrike" dirty="0"/>
-              <a:t>Order and execution reporting</a:t>
-            </a:r>
-          </a:p>
-          <a:p>
-            <a:r>
-              <a:rPr lang="en-US" strike="sngStrike" dirty="0"/>
-              <a:t>Exchange members</a:t>
-            </a:r>
-          </a:p>
-          <a:p>
-            <a:endParaRPr lang="en-US" dirty="0"/>
-          </a:p>
-        </p:txBody>
-      </p:sp>
-    </p:spTree>
-    <p:extLst>
-      <p:ext uri="{BB962C8B-B14F-4D97-AF65-F5344CB8AC3E}">
-        <p14:creationId xmlns:p14="http://schemas.microsoft.com/office/powerpoint/2010/main" val="46120481"/>
-      </p:ext>
-    </p:extLst>
-  </p:cSld>
-  <p:clrMapOvr>
-    <a:masterClrMapping/>
-  </p:clrMapOvr>
-</p:sld>
-</file>
-
-<file path=ppt/slides/slide15.xml><?xml version="1.0" encoding="utf-8"?>
-<p:sld xmlns:a="http://schemas.openxmlformats.org/drawingml/2006/main" xmlns:r="http://schemas.openxmlformats.org/officeDocument/2006/relationships" xmlns:p="http://schemas.openxmlformats.org/presentationml/2006/main">
-  <p:cSld>
-    <p:spTree>
-      <p:nvGrpSpPr>
-        <p:cNvPr id="1" name=""/>
-        <p:cNvGrpSpPr/>
-        <p:nvPr/>
-      </p:nvGrpSpPr>
-      <p:grpSpPr>
-        <a:xfrm>
-          <a:off x="0" y="0"/>
-          <a:ext cx="0" cy="0"/>
-          <a:chOff x="0" y="0"/>
-          <a:chExt cx="0" cy="0"/>
-        </a:xfrm>
-      </p:grpSpPr>
-      <p:sp>
-        <p:nvSpPr>
-          <p:cNvPr id="2" name="Title 1"/>
-          <p:cNvSpPr>
-            <a:spLocks noGrp="1"/>
-          </p:cNvSpPr>
-          <p:nvPr>
-            <p:ph type="title"/>
-          </p:nvPr>
-        </p:nvSpPr>
-        <p:spPr/>
-        <p:txBody>
-          <a:bodyPr>
-            <a:normAutofit/>
-          </a:bodyPr>
-          <a:lstStyle/>
-          <a:p>
-            <a:r>
-              <a:rPr lang="en-US" sz="3200" dirty="0"/>
-              <a:t>Functional Requirements</a:t>
-            </a:r>
-          </a:p>
-        </p:txBody>
-      </p:sp>
-      <p:sp>
-        <p:nvSpPr>
-          <p:cNvPr id="3" name="Content Placeholder 2"/>
-          <p:cNvSpPr>
-            <a:spLocks noGrp="1"/>
-          </p:cNvSpPr>
-          <p:nvPr>
-            <p:ph idx="1"/>
-          </p:nvPr>
-        </p:nvSpPr>
-        <p:spPr/>
-        <p:txBody>
-          <a:bodyPr>
-            <a:normAutofit fontScale="92500" lnSpcReduction="10000"/>
-          </a:bodyPr>
-          <a:lstStyle/>
-          <a:p>
-            <a:pPr lvl="1"/>
-            <a:r>
-              <a:rPr lang="en-US" strike="sngStrike" dirty="0"/>
-              <a:t>Preload a universe of well defined stocks</a:t>
-            </a:r>
-          </a:p>
-          <a:p>
-            <a:pPr lvl="1"/>
-            <a:r>
-              <a:rPr lang="en-US" strike="sngStrike" dirty="0">
-                <a:solidFill>
-                  <a:srgbClr val="FF0000"/>
-                </a:solidFill>
-              </a:rPr>
-              <a:t>Publish tradable stock list to members</a:t>
-            </a:r>
-          </a:p>
-          <a:p>
-            <a:pPr lvl="1"/>
-            <a:r>
-              <a:rPr lang="en-US" strike="sngStrike" dirty="0"/>
-              <a:t>System must have rules to ensure that orders will not be over executed, should be within price range of the original order.   </a:t>
-            </a:r>
-          </a:p>
-          <a:p>
-            <a:pPr lvl="1"/>
-            <a:r>
-              <a:rPr lang="en-US" strike="sngStrike" dirty="0"/>
-              <a:t>All transaction records must be kept for future query.</a:t>
-            </a:r>
-          </a:p>
-          <a:p>
-            <a:pPr lvl="1"/>
-            <a:r>
-              <a:rPr lang="en-US" strike="sngStrike" dirty="0"/>
-              <a:t>Calculate open price accurately.</a:t>
-            </a:r>
-          </a:p>
-          <a:p>
-            <a:pPr lvl="1"/>
-            <a:r>
-              <a:rPr lang="en-US" strike="sngStrike" dirty="0"/>
-              <a:t>Has knowledge of the price of stock got executed last time, last trading day’s close price of each stock</a:t>
-            </a:r>
-          </a:p>
-          <a:p>
-            <a:endParaRPr lang="en-US" dirty="0"/>
-          </a:p>
-        </p:txBody>
-      </p:sp>
-    </p:spTree>
-    <p:extLst>
-      <p:ext uri="{BB962C8B-B14F-4D97-AF65-F5344CB8AC3E}">
-        <p14:creationId xmlns:p14="http://schemas.microsoft.com/office/powerpoint/2010/main" val="3160769894"/>
-      </p:ext>
-    </p:extLst>
-  </p:cSld>
-  <p:clrMapOvr>
-    <a:masterClrMapping/>
-  </p:clrMapOvr>
-</p:sld>
-</file>
-
-<file path=ppt/slides/slide16.xml><?xml version="1.0" encoding="utf-8"?>
-<p:sld xmlns:a="http://schemas.openxmlformats.org/drawingml/2006/main" xmlns:r="http://schemas.openxmlformats.org/officeDocument/2006/relationships" xmlns:p="http://schemas.openxmlformats.org/presentationml/2006/main">
-  <p:cSld>
-    <p:spTree>
-      <p:nvGrpSpPr>
-        <p:cNvPr id="1" name=""/>
-        <p:cNvGrpSpPr/>
-        <p:nvPr/>
-      </p:nvGrpSpPr>
-      <p:grpSpPr>
-        <a:xfrm>
-          <a:off x="0" y="0"/>
-          <a:ext cx="0" cy="0"/>
-          <a:chOff x="0" y="0"/>
-          <a:chExt cx="0" cy="0"/>
-        </a:xfrm>
-      </p:grpSpPr>
-      <p:sp>
-        <p:nvSpPr>
-          <p:cNvPr id="2" name="Title 1"/>
-          <p:cNvSpPr>
-            <a:spLocks noGrp="1"/>
-          </p:cNvSpPr>
-          <p:nvPr>
-            <p:ph type="title"/>
-          </p:nvPr>
-        </p:nvSpPr>
-        <p:spPr/>
-        <p:txBody>
-          <a:bodyPr>
-            <a:normAutofit/>
-          </a:bodyPr>
-          <a:lstStyle/>
-          <a:p>
-            <a:r>
-              <a:rPr lang="en-US" sz="3200" dirty="0"/>
-              <a:t>Non-functional Requirements</a:t>
-            </a:r>
-          </a:p>
-        </p:txBody>
-      </p:sp>
-      <p:sp>
-        <p:nvSpPr>
-          <p:cNvPr id="3" name="Content Placeholder 2"/>
-          <p:cNvSpPr>
-            <a:spLocks noGrp="1"/>
-          </p:cNvSpPr>
-          <p:nvPr>
-            <p:ph idx="1"/>
-          </p:nvPr>
-        </p:nvSpPr>
-        <p:spPr/>
-        <p:txBody>
-          <a:bodyPr>
-            <a:normAutofit fontScale="70000" lnSpcReduction="20000"/>
-          </a:bodyPr>
-          <a:lstStyle/>
-          <a:p>
-            <a:pPr lvl="1"/>
-            <a:r>
-              <a:rPr lang="en-US" strike="sngStrike" dirty="0"/>
-              <a:t>Scalability: have multiple instances of the system running, sharing each other’s work load</a:t>
-            </a:r>
-          </a:p>
-          <a:p>
-            <a:pPr lvl="1"/>
-            <a:r>
-              <a:rPr lang="en-US" strike="sngStrike" dirty="0"/>
-              <a:t>System must have authentication and authorization mechanism, administrator and operator have different permission to view the order books. </a:t>
-            </a:r>
-          </a:p>
-          <a:p>
-            <a:pPr lvl="1"/>
-            <a:r>
-              <a:rPr lang="en-US" strike="sngStrike" dirty="0"/>
-              <a:t>When system goes down un-expectantly (process crash, machine failure, lose of power), after restart it needs to remember current order book details.</a:t>
-            </a:r>
-          </a:p>
-          <a:p>
-            <a:pPr lvl="1"/>
-            <a:r>
-              <a:rPr lang="en-US" strike="sngStrike" dirty="0">
-                <a:solidFill>
-                  <a:srgbClr val="FF0000"/>
-                </a:solidFill>
-              </a:rPr>
-              <a:t>Has GUI tool could switch stocks to “on hold” mode , means not tradable, publish “on hold” message to exchange members, and switch back to normal trading mode.  This function should limited to “administrator”.</a:t>
-            </a:r>
-          </a:p>
-          <a:p>
-            <a:pPr lvl="1"/>
-            <a:r>
-              <a:rPr lang="en-US" strike="sngStrike" dirty="0"/>
-              <a:t>Provide “stop execution” function.</a:t>
-            </a:r>
-          </a:p>
-          <a:p>
-            <a:pPr lvl="1"/>
-            <a:r>
-              <a:rPr lang="en-US" strike="sngStrike" dirty="0"/>
-              <a:t>Provide “special auction” function for specific stocks when buy or sell pressure is unbalanced, with breach of price limit.</a:t>
-            </a:r>
-          </a:p>
-          <a:p>
-            <a:pPr lvl="1"/>
-            <a:r>
-              <a:rPr lang="en-US" strike="sngStrike" dirty="0"/>
-              <a:t>Provide pre-defined stock universe data publish based on request</a:t>
-            </a:r>
-          </a:p>
-          <a:p>
-            <a:endParaRPr lang="en-US" dirty="0"/>
-          </a:p>
-        </p:txBody>
-      </p:sp>
-    </p:spTree>
-    <p:extLst>
-      <p:ext uri="{BB962C8B-B14F-4D97-AF65-F5344CB8AC3E}">
-        <p14:creationId xmlns:p14="http://schemas.microsoft.com/office/powerpoint/2010/main" val="3995081648"/>
-      </p:ext>
-    </p:extLst>
-  </p:cSld>
-  <p:clrMapOvr>
-    <a:masterClrMapping/>
-  </p:clrMapOvr>
-</p:sld>
-</file>
-
-<file path=ppt/slides/slide17.xml><?xml version="1.0" encoding="utf-8"?>
-<p:sld xmlns:a="http://schemas.openxmlformats.org/drawingml/2006/main" xmlns:r="http://schemas.openxmlformats.org/officeDocument/2006/relationships" xmlns:p="http://schemas.openxmlformats.org/presentationml/2006/main">
-  <p:cSld>
-    <p:spTree>
-      <p:nvGrpSpPr>
-        <p:cNvPr id="1" name=""/>
-        <p:cNvGrpSpPr/>
-        <p:nvPr/>
-      </p:nvGrpSpPr>
-      <p:grpSpPr>
-        <a:xfrm>
-          <a:off x="0" y="0"/>
-          <a:ext cx="0" cy="0"/>
-          <a:chOff x="0" y="0"/>
-          <a:chExt cx="0" cy="0"/>
-        </a:xfrm>
-      </p:grpSpPr>
-      <p:sp>
-        <p:nvSpPr>
-          <p:cNvPr id="2" name="Titel 1"/>
-          <p:cNvSpPr>
-            <a:spLocks noGrp="1"/>
-          </p:cNvSpPr>
-          <p:nvPr>
-            <p:ph type="title"/>
-          </p:nvPr>
-        </p:nvSpPr>
-        <p:spPr/>
-        <p:txBody>
-          <a:bodyPr/>
-          <a:lstStyle/>
-          <a:p>
-            <a:r>
-              <a:rPr lang="de-DE" dirty="0" err="1"/>
-              <a:t>Matching</a:t>
-            </a:r>
-            <a:r>
-              <a:rPr lang="de-DE" dirty="0"/>
-              <a:t> </a:t>
-            </a:r>
-            <a:r>
-              <a:rPr lang="de-DE" dirty="0" err="1"/>
-              <a:t>Algorithm</a:t>
-            </a:r>
-            <a:endParaRPr lang="de-DE" dirty="0"/>
-          </a:p>
-        </p:txBody>
-      </p:sp>
-      <p:sp>
-        <p:nvSpPr>
-          <p:cNvPr id="3" name="Inhaltsplatzhalter 2"/>
-          <p:cNvSpPr>
-            <a:spLocks noGrp="1"/>
-          </p:cNvSpPr>
-          <p:nvPr>
-            <p:ph idx="1"/>
-          </p:nvPr>
-        </p:nvSpPr>
-        <p:spPr/>
-        <p:txBody>
-          <a:bodyPr/>
-          <a:lstStyle/>
-          <a:p>
-            <a:r>
-              <a:rPr lang="de-DE" dirty="0"/>
-              <a:t>Pro </a:t>
-            </a:r>
-            <a:r>
-              <a:rPr lang="de-DE" dirty="0" err="1"/>
-              <a:t>Rata</a:t>
-            </a:r>
-            <a:r>
-              <a:rPr lang="de-DE" dirty="0"/>
-              <a:t> </a:t>
-            </a:r>
-            <a:r>
-              <a:rPr lang="de-DE" dirty="0" err="1"/>
-              <a:t>Algorithm</a:t>
-            </a:r>
-            <a:endParaRPr lang="de-DE" dirty="0"/>
-          </a:p>
-          <a:p>
-            <a:r>
-              <a:rPr lang="de-DE" dirty="0" err="1"/>
-              <a:t>Considers</a:t>
-            </a:r>
-            <a:r>
-              <a:rPr lang="de-DE" dirty="0"/>
-              <a:t> </a:t>
-            </a:r>
-            <a:r>
-              <a:rPr lang="de-DE" dirty="0" err="1"/>
-              <a:t>the</a:t>
-            </a:r>
-            <a:r>
-              <a:rPr lang="de-DE" dirty="0"/>
-              <a:t> </a:t>
-            </a:r>
-            <a:r>
-              <a:rPr lang="de-DE" dirty="0" err="1"/>
-              <a:t>percentage</a:t>
-            </a:r>
-            <a:r>
-              <a:rPr lang="de-DE" dirty="0"/>
-              <a:t> </a:t>
-            </a:r>
-            <a:r>
-              <a:rPr lang="de-DE" dirty="0" err="1"/>
-              <a:t>one</a:t>
-            </a:r>
-            <a:r>
-              <a:rPr lang="de-DE" dirty="0"/>
-              <a:t> </a:t>
-            </a:r>
-            <a:r>
-              <a:rPr lang="de-DE" dirty="0" err="1"/>
-              <a:t>holds</a:t>
-            </a:r>
-            <a:r>
-              <a:rPr lang="de-DE" dirty="0"/>
-              <a:t> </a:t>
-            </a:r>
-            <a:r>
-              <a:rPr lang="de-DE" dirty="0" err="1"/>
-              <a:t>of</a:t>
-            </a:r>
-            <a:r>
-              <a:rPr lang="de-DE" dirty="0"/>
-              <a:t> </a:t>
-            </a:r>
-            <a:r>
-              <a:rPr lang="de-DE" dirty="0" err="1"/>
-              <a:t>the</a:t>
-            </a:r>
-            <a:r>
-              <a:rPr lang="de-DE" dirty="0"/>
-              <a:t> total </a:t>
-            </a:r>
-            <a:r>
-              <a:rPr lang="de-DE" dirty="0" err="1"/>
-              <a:t>amount</a:t>
-            </a:r>
-            <a:r>
-              <a:rPr lang="de-DE" dirty="0"/>
-              <a:t> </a:t>
-            </a:r>
-            <a:r>
-              <a:rPr lang="de-DE" dirty="0" err="1"/>
-              <a:t>of</a:t>
-            </a:r>
-            <a:r>
-              <a:rPr lang="de-DE" dirty="0"/>
-              <a:t> </a:t>
-            </a:r>
-            <a:r>
-              <a:rPr lang="de-DE" dirty="0" err="1"/>
-              <a:t>shares</a:t>
-            </a:r>
-            <a:endParaRPr lang="de-DE" dirty="0"/>
-          </a:p>
-          <a:p>
-            <a:r>
-              <a:rPr lang="de-DE" dirty="0" err="1"/>
-              <a:t>Weighted</a:t>
-            </a:r>
-            <a:r>
-              <a:rPr lang="de-DE" dirty="0"/>
-              <a:t> </a:t>
-            </a:r>
-            <a:r>
-              <a:rPr lang="de-DE" dirty="0" err="1"/>
-              <a:t>according</a:t>
-            </a:r>
-            <a:r>
-              <a:rPr lang="de-DE" dirty="0"/>
-              <a:t> </a:t>
-            </a:r>
-            <a:r>
-              <a:rPr lang="de-DE" dirty="0" err="1"/>
-              <a:t>to</a:t>
-            </a:r>
-            <a:r>
-              <a:rPr lang="de-DE" dirty="0"/>
-              <a:t> time</a:t>
-            </a:r>
-          </a:p>
-        </p:txBody>
-      </p:sp>
-    </p:spTree>
-    <p:extLst>
-      <p:ext uri="{BB962C8B-B14F-4D97-AF65-F5344CB8AC3E}">
-        <p14:creationId xmlns:p14="http://schemas.microsoft.com/office/powerpoint/2010/main" val="3663555303"/>
-      </p:ext>
-    </p:extLst>
-  </p:cSld>
-  <p:clrMapOvr>
-    <a:masterClrMapping/>
-  </p:clrMapOvr>
-</p:sld>
-</file>
-
-<file path=ppt/slides/slide18.xml><?xml version="1.0" encoding="utf-8"?>
-<p:sld xmlns:a="http://schemas.openxmlformats.org/drawingml/2006/main" xmlns:r="http://schemas.openxmlformats.org/officeDocument/2006/relationships" xmlns:p="http://schemas.openxmlformats.org/presentationml/2006/main">
-  <p:cSld>
-    <p:spTree>
-      <p:nvGrpSpPr>
-        <p:cNvPr id="1" name=""/>
-        <p:cNvGrpSpPr/>
-        <p:nvPr/>
-      </p:nvGrpSpPr>
-      <p:grpSpPr>
-        <a:xfrm>
-          <a:off x="0" y="0"/>
-          <a:ext cx="0" cy="0"/>
-          <a:chOff x="0" y="0"/>
-          <a:chExt cx="0" cy="0"/>
-        </a:xfrm>
-      </p:grpSpPr>
-      <p:sp>
-        <p:nvSpPr>
-          <p:cNvPr id="2" name="Titel 1"/>
-          <p:cNvSpPr>
-            <a:spLocks noGrp="1"/>
-          </p:cNvSpPr>
-          <p:nvPr>
-            <p:ph type="title"/>
-          </p:nvPr>
-        </p:nvSpPr>
-        <p:spPr/>
-        <p:txBody>
-          <a:bodyPr/>
-          <a:lstStyle/>
-          <a:p>
-            <a:r>
-              <a:rPr lang="de-DE" dirty="0" err="1"/>
-              <a:t>Matching</a:t>
-            </a:r>
-            <a:r>
-              <a:rPr lang="de-DE" dirty="0"/>
-              <a:t> </a:t>
-            </a:r>
-            <a:r>
-              <a:rPr lang="de-DE" dirty="0" err="1"/>
-              <a:t>Algorithm</a:t>
-            </a:r>
-            <a:endParaRPr lang="de-DE" dirty="0"/>
-          </a:p>
-        </p:txBody>
-      </p:sp>
-      <p:sp>
-        <p:nvSpPr>
-          <p:cNvPr id="3" name="Inhaltsplatzhalter 2"/>
-          <p:cNvSpPr>
-            <a:spLocks noGrp="1"/>
-          </p:cNvSpPr>
-          <p:nvPr>
-            <p:ph idx="1"/>
-          </p:nvPr>
-        </p:nvSpPr>
-        <p:spPr/>
-        <p:txBody>
-          <a:bodyPr/>
-          <a:lstStyle/>
-          <a:p>
-            <a:r>
-              <a:rPr lang="de-DE" dirty="0"/>
-              <a:t>Input: </a:t>
-            </a:r>
-            <a:r>
-              <a:rPr lang="de-DE" dirty="0" err="1"/>
-              <a:t>two</a:t>
-            </a:r>
-            <a:r>
-              <a:rPr lang="de-DE" dirty="0"/>
-              <a:t> </a:t>
-            </a:r>
-            <a:r>
-              <a:rPr lang="de-DE" dirty="0" err="1"/>
-              <a:t>lists</a:t>
-            </a:r>
-            <a:r>
-              <a:rPr lang="de-DE" dirty="0"/>
-              <a:t>; </a:t>
-            </a:r>
-            <a:r>
-              <a:rPr lang="de-DE" dirty="0" err="1"/>
-              <a:t>buyer</a:t>
-            </a:r>
-            <a:r>
-              <a:rPr lang="de-DE" dirty="0"/>
-              <a:t> </a:t>
-            </a:r>
-            <a:r>
-              <a:rPr lang="de-DE" dirty="0" err="1"/>
-              <a:t>and</a:t>
-            </a:r>
-            <a:r>
-              <a:rPr lang="de-DE" dirty="0"/>
-              <a:t> </a:t>
-            </a:r>
-            <a:r>
-              <a:rPr lang="de-DE" dirty="0" err="1"/>
-              <a:t>seller</a:t>
-            </a:r>
-            <a:endParaRPr lang="de-DE" dirty="0"/>
-          </a:p>
-          <a:p>
-            <a:r>
-              <a:rPr lang="de-DE" dirty="0"/>
-              <a:t>Outputs a </a:t>
-            </a:r>
-            <a:r>
-              <a:rPr lang="de-DE" dirty="0" err="1"/>
-              <a:t>matrix</a:t>
-            </a:r>
-            <a:r>
-              <a:rPr lang="de-DE" dirty="0"/>
-              <a:t> </a:t>
-            </a:r>
-            <a:r>
-              <a:rPr lang="de-DE" dirty="0" err="1"/>
-              <a:t>buyer</a:t>
-            </a:r>
-            <a:r>
-              <a:rPr lang="de-DE" dirty="0"/>
-              <a:t> x </a:t>
-            </a:r>
-            <a:r>
-              <a:rPr lang="de-DE" dirty="0" err="1"/>
-              <a:t>seller</a:t>
-            </a:r>
-            <a:endParaRPr lang="de-DE" dirty="0"/>
-          </a:p>
-          <a:p>
-            <a:r>
-              <a:rPr lang="de-DE" dirty="0" err="1"/>
-              <a:t>Contains</a:t>
-            </a:r>
-            <a:r>
-              <a:rPr lang="de-DE" dirty="0"/>
-              <a:t> </a:t>
-            </a:r>
-            <a:r>
-              <a:rPr lang="de-DE" dirty="0" err="1"/>
-              <a:t>the</a:t>
-            </a:r>
-            <a:r>
-              <a:rPr lang="de-DE" dirty="0"/>
-              <a:t> </a:t>
-            </a:r>
-            <a:r>
-              <a:rPr lang="de-DE" dirty="0" err="1"/>
-              <a:t>shares</a:t>
-            </a:r>
-            <a:r>
-              <a:rPr lang="de-DE" dirty="0"/>
-              <a:t> </a:t>
-            </a:r>
-            <a:r>
-              <a:rPr lang="de-DE" dirty="0" err="1"/>
-              <a:t>which</a:t>
-            </a:r>
-            <a:r>
-              <a:rPr lang="de-DE" dirty="0"/>
-              <a:t> </a:t>
-            </a:r>
-            <a:r>
-              <a:rPr lang="de-DE" dirty="0" err="1"/>
-              <a:t>are</a:t>
-            </a:r>
-            <a:r>
-              <a:rPr lang="de-DE" dirty="0"/>
-              <a:t> </a:t>
-            </a:r>
-            <a:r>
-              <a:rPr lang="de-DE" dirty="0" err="1"/>
-              <a:t>traded</a:t>
-            </a:r>
-            <a:r>
-              <a:rPr lang="de-DE" dirty="0"/>
-              <a:t> </a:t>
-            </a:r>
-          </a:p>
-        </p:txBody>
-      </p:sp>
-    </p:spTree>
-    <p:extLst>
-      <p:ext uri="{BB962C8B-B14F-4D97-AF65-F5344CB8AC3E}">
-        <p14:creationId xmlns:p14="http://schemas.microsoft.com/office/powerpoint/2010/main" val="2980640408"/>
-      </p:ext>
-    </p:extLst>
-  </p:cSld>
-  <p:clrMapOvr>
-    <a:masterClrMapping/>
-  </p:clrMapOvr>
-</p:sld>
-</file>
-
-<file path=ppt/slides/slide19.xml><?xml version="1.0" encoding="utf-8"?>
-<p:sld xmlns:a="http://schemas.openxmlformats.org/drawingml/2006/main" xmlns:r="http://schemas.openxmlformats.org/officeDocument/2006/relationships" xmlns:p="http://schemas.openxmlformats.org/presentationml/2006/main">
-  <p:cSld>
-    <p:spTree>
-      <p:nvGrpSpPr>
-        <p:cNvPr id="1" name=""/>
-        <p:cNvGrpSpPr/>
-        <p:nvPr/>
-      </p:nvGrpSpPr>
-      <p:grpSpPr>
-        <a:xfrm>
-          <a:off x="0" y="0"/>
-          <a:ext cx="0" cy="0"/>
-          <a:chOff x="0" y="0"/>
-          <a:chExt cx="0" cy="0"/>
-        </a:xfrm>
-      </p:grpSpPr>
-      <p:sp>
-        <p:nvSpPr>
-          <p:cNvPr id="2" name="Title 1"/>
-          <p:cNvSpPr>
-            <a:spLocks noGrp="1"/>
-          </p:cNvSpPr>
-          <p:nvPr>
-            <p:ph type="title"/>
-          </p:nvPr>
-        </p:nvSpPr>
-        <p:spPr/>
-        <p:txBody>
-          <a:bodyPr>
-            <a:normAutofit/>
-          </a:bodyPr>
-          <a:lstStyle/>
-          <a:p>
-            <a:r>
-              <a:rPr lang="en-US" sz="3200" dirty="0"/>
-              <a:t>Functional Requirements</a:t>
-            </a:r>
-          </a:p>
-        </p:txBody>
-      </p:sp>
-      <p:sp>
-        <p:nvSpPr>
-          <p:cNvPr id="3" name="Content Placeholder 2"/>
-          <p:cNvSpPr>
-            <a:spLocks noGrp="1"/>
-          </p:cNvSpPr>
-          <p:nvPr>
-            <p:ph idx="1"/>
-          </p:nvPr>
-        </p:nvSpPr>
-        <p:spPr/>
-        <p:txBody>
-          <a:bodyPr>
-            <a:normAutofit fontScale="62500" lnSpcReduction="20000"/>
-          </a:bodyPr>
-          <a:lstStyle/>
-          <a:p>
-            <a:r>
-              <a:rPr lang="en-US" strike="sngStrike" dirty="0"/>
-              <a:t>Order</a:t>
-            </a:r>
-          </a:p>
-          <a:p>
-            <a:r>
-              <a:rPr lang="en-US" strike="sngStrike" dirty="0"/>
-              <a:t>Execution</a:t>
-            </a:r>
-          </a:p>
-          <a:p>
-            <a:r>
-              <a:rPr lang="en-US" strike="sngStrike" dirty="0"/>
-              <a:t>Stock universe</a:t>
-            </a:r>
-          </a:p>
-          <a:p>
-            <a:r>
-              <a:rPr lang="en-US" strike="sngStrike" dirty="0"/>
-              <a:t>Lot size</a:t>
-            </a:r>
-          </a:p>
-          <a:p>
-            <a:r>
-              <a:rPr lang="en-US" strike="sngStrike" dirty="0"/>
-              <a:t>Tick size</a:t>
-            </a:r>
-          </a:p>
-          <a:p>
-            <a:r>
-              <a:rPr lang="en-US" strike="sngStrike" dirty="0"/>
-              <a:t>Trading schedule</a:t>
-            </a:r>
-          </a:p>
-          <a:p>
-            <a:r>
-              <a:rPr lang="en-US" strike="sngStrike" dirty="0">
-                <a:solidFill>
-                  <a:srgbClr val="FF0000"/>
-                </a:solidFill>
-              </a:rPr>
-              <a:t>Matching mechanisms</a:t>
-            </a:r>
-          </a:p>
-          <a:p>
-            <a:r>
-              <a:rPr lang="en-US" strike="sngStrike" dirty="0"/>
-              <a:t>Stock data publishing</a:t>
-            </a:r>
-          </a:p>
-          <a:p>
-            <a:r>
-              <a:rPr lang="en-US" strike="sngStrike" dirty="0"/>
-              <a:t>Order and execution reporting</a:t>
-            </a:r>
-          </a:p>
-          <a:p>
-            <a:r>
-              <a:rPr lang="en-US" strike="sngStrike" dirty="0"/>
-              <a:t>Exchange members</a:t>
-            </a:r>
-          </a:p>
-          <a:p>
-            <a:endParaRPr lang="en-US" dirty="0"/>
-          </a:p>
-        </p:txBody>
-      </p:sp>
-    </p:spTree>
-    <p:extLst>
-      <p:ext uri="{BB962C8B-B14F-4D97-AF65-F5344CB8AC3E}">
-        <p14:creationId xmlns:p14="http://schemas.microsoft.com/office/powerpoint/2010/main" val="1488671296"/>
+        <p14:creationId xmlns:p14="http://schemas.microsoft.com/office/powerpoint/2010/main" val="485310919"/>
       </p:ext>
     </p:extLst>
   </p:cSld>
@@ -8258,45 +7145,46 @@
           <a:lstStyle/>
           <a:p>
             <a:r>
-              <a:rPr lang="de-DE" err="1"/>
+              <a:rPr lang="de-DE" dirty="0" err="1"/>
               <a:t>Use</a:t>
             </a:r>
             <a:r>
-              <a:rPr lang="de-DE"/>
+              <a:rPr lang="de-DE" dirty="0"/>
               <a:t> Case</a:t>
             </a:r>
           </a:p>
           <a:p>
             <a:r>
-              <a:rPr lang="de-DE" err="1"/>
+              <a:rPr lang="de-DE" dirty="0" err="1"/>
               <a:t>Structure</a:t>
             </a:r>
-          </a:p>
-          <a:p>
-            <a:r>
-              <a:rPr lang="de-DE"/>
-              <a:t>Communication</a:t>
-            </a:r>
-          </a:p>
-          <a:p>
-            <a:r>
-              <a:rPr lang="de-DE"/>
-              <a:t>GUI</a:t>
-            </a:r>
-          </a:p>
-          <a:p>
-            <a:r>
-              <a:rPr lang="de-DE" err="1"/>
+            <a:endParaRPr lang="de-DE" dirty="0"/>
+          </a:p>
+          <a:p>
+            <a:r>
+              <a:rPr lang="de-DE" dirty="0" err="1"/>
               <a:t>Matching</a:t>
             </a:r>
             <a:r>
-              <a:rPr lang="de-DE"/>
+              <a:rPr lang="de-DE" dirty="0"/>
               <a:t> </a:t>
             </a:r>
             <a:r>
-              <a:rPr lang="de-DE" err="1"/>
+              <a:rPr lang="de-DE" dirty="0" err="1"/>
               <a:t>Algorithm</a:t>
             </a:r>
+            <a:endParaRPr lang="de-DE" dirty="0"/>
+          </a:p>
+          <a:p>
+            <a:r>
+              <a:rPr lang="de-DE"/>
+              <a:t>Requirement</a:t>
+            </a:r>
+            <a:r>
+              <a:rPr lang="de-DE"/>
+              <a:t>s</a:t>
+            </a:r>
+            <a:endParaRPr lang="de-DE" dirty="0"/>
           </a:p>
         </p:txBody>
       </p:sp>
@@ -8304,144 +7192,6 @@
     <p:extLst>
       <p:ext uri="{BB962C8B-B14F-4D97-AF65-F5344CB8AC3E}">
         <p14:creationId xmlns:p14="http://schemas.microsoft.com/office/powerpoint/2010/main" val="4015927335"/>
-      </p:ext>
-    </p:extLst>
-  </p:cSld>
-  <p:clrMapOvr>
-    <a:masterClrMapping/>
-  </p:clrMapOvr>
-</p:sld>
-</file>
-
-<file path=ppt/slides/slide20.xml><?xml version="1.0" encoding="utf-8"?>
-<p:sld xmlns:a="http://schemas.openxmlformats.org/drawingml/2006/main" xmlns:r="http://schemas.openxmlformats.org/officeDocument/2006/relationships" xmlns:p="http://schemas.openxmlformats.org/presentationml/2006/main">
-  <p:cSld>
-    <p:spTree>
-      <p:nvGrpSpPr>
-        <p:cNvPr id="1" name=""/>
-        <p:cNvGrpSpPr/>
-        <p:nvPr/>
-      </p:nvGrpSpPr>
-      <p:grpSpPr>
-        <a:xfrm>
-          <a:off x="0" y="0"/>
-          <a:ext cx="0" cy="0"/>
-          <a:chOff x="0" y="0"/>
-          <a:chExt cx="0" cy="0"/>
-        </a:xfrm>
-      </p:grpSpPr>
-      <p:sp>
-        <p:nvSpPr>
-          <p:cNvPr id="4" name="Titel 3"/>
-          <p:cNvSpPr>
-            <a:spLocks noGrp="1"/>
-          </p:cNvSpPr>
-          <p:nvPr>
-            <p:ph type="ctrTitle"/>
-          </p:nvPr>
-        </p:nvSpPr>
-        <p:spPr>
-          <a:xfrm>
-            <a:off x="1927273" y="929902"/>
-            <a:ext cx="9575749" cy="2616199"/>
-          </a:xfrm>
-        </p:spPr>
-        <p:txBody>
-          <a:bodyPr/>
-          <a:lstStyle/>
-          <a:p>
-            <a:r>
-              <a:rPr lang="de-DE" dirty="0"/>
-              <a:t>Do </a:t>
-            </a:r>
-            <a:r>
-              <a:rPr lang="de-DE" dirty="0" err="1"/>
-              <a:t>you</a:t>
-            </a:r>
-            <a:r>
-              <a:rPr lang="de-DE" dirty="0"/>
-              <a:t> </a:t>
-            </a:r>
-            <a:r>
-              <a:rPr lang="de-DE" dirty="0" err="1"/>
-              <a:t>have</a:t>
-            </a:r>
-            <a:r>
-              <a:rPr lang="de-DE" dirty="0"/>
-              <a:t> </a:t>
-            </a:r>
-            <a:r>
-              <a:rPr lang="de-DE" dirty="0" err="1"/>
-              <a:t>any</a:t>
-            </a:r>
-            <a:r>
-              <a:rPr lang="de-DE" dirty="0"/>
-              <a:t> </a:t>
-            </a:r>
-            <a:r>
-              <a:rPr lang="de-DE" dirty="0" err="1"/>
-              <a:t>questions</a:t>
-            </a:r>
-            <a:r>
-              <a:rPr lang="de-DE" dirty="0"/>
-              <a:t>???</a:t>
-            </a:r>
-          </a:p>
-        </p:txBody>
-      </p:sp>
-      <p:sp>
-        <p:nvSpPr>
-          <p:cNvPr id="5" name="Untertitel 4"/>
-          <p:cNvSpPr>
-            <a:spLocks noGrp="1"/>
-          </p:cNvSpPr>
-          <p:nvPr>
-            <p:ph type="subTitle" idx="1"/>
-          </p:nvPr>
-        </p:nvSpPr>
-        <p:spPr/>
-        <p:txBody>
-          <a:bodyPr>
-            <a:normAutofit/>
-          </a:bodyPr>
-          <a:lstStyle/>
-          <a:p>
-            <a:r>
-              <a:rPr lang="de-DE" sz="2800" b="1" dirty="0" err="1"/>
-              <a:t>Thank</a:t>
-            </a:r>
-            <a:r>
-              <a:rPr lang="de-DE" sz="2800" b="1" dirty="0"/>
-              <a:t> </a:t>
-            </a:r>
-            <a:r>
-              <a:rPr lang="de-DE" sz="2800" b="1" dirty="0" err="1"/>
-              <a:t>you</a:t>
-            </a:r>
-            <a:r>
-              <a:rPr lang="de-DE" sz="2800" b="1" dirty="0"/>
-              <a:t> </a:t>
-            </a:r>
-            <a:r>
-              <a:rPr lang="de-DE" sz="2800" b="1" dirty="0" err="1"/>
-              <a:t>for</a:t>
-            </a:r>
-            <a:r>
-              <a:rPr lang="de-DE" sz="2800" b="1" dirty="0"/>
-              <a:t> </a:t>
-            </a:r>
-            <a:r>
-              <a:rPr lang="de-DE" sz="2800" b="1" dirty="0" err="1"/>
-              <a:t>listening</a:t>
-            </a:r>
-            <a:endParaRPr lang="de-DE" sz="2800" b="1" dirty="0"/>
-          </a:p>
-        </p:txBody>
-      </p:sp>
-    </p:spTree>
-    <p:extLst>
-      <p:ext uri="{BB962C8B-B14F-4D97-AF65-F5344CB8AC3E}">
-        <p14:creationId xmlns:p14="http://schemas.microsoft.com/office/powerpoint/2010/main" val="485310919"/>
       </p:ext>
     </p:extLst>
   </p:cSld>
@@ -8590,7 +7340,15 @@
           <a:bodyPr/>
           <a:lstStyle/>
           <a:p>
-            <a:endParaRPr lang="de-DE"/>
+            <a:r>
+              <a:rPr lang="de-DE" dirty="0"/>
+              <a:t>See </a:t>
+            </a:r>
+            <a:r>
+              <a:rPr lang="de-DE" dirty="0" err="1"/>
+              <a:t>editor</a:t>
+            </a:r>
+            <a:endParaRPr lang="de-DE" dirty="0"/>
           </a:p>
         </p:txBody>
       </p:sp>
@@ -8626,7 +7384,7 @@
       </p:grpSpPr>
       <p:sp>
         <p:nvSpPr>
-          <p:cNvPr id="2" name="Title 1"/>
+          <p:cNvPr id="2" name="Titel 1"/>
           <p:cNvSpPr>
             <a:spLocks noGrp="1"/>
           </p:cNvSpPr>
@@ -8636,21 +7394,28 @@
         </p:nvSpPr>
         <p:spPr/>
         <p:txBody>
-          <a:bodyPr>
-            <a:normAutofit/>
-          </a:bodyPr>
-          <a:lstStyle/>
-          <a:p>
-            <a:r>
-              <a:rPr lang="en-US" sz="3200" dirty="0"/>
-              <a:t>Functional Requirements</a:t>
-            </a:r>
-          </a:p>
-        </p:txBody>
-      </p:sp>
-      <p:sp>
-        <p:nvSpPr>
-          <p:cNvPr id="3" name="Content Placeholder 2"/>
+          <a:bodyPr/>
+          <a:lstStyle/>
+          <a:p>
+            <a:r>
+              <a:rPr lang="de-DE" dirty="0" err="1"/>
+              <a:t>Matching</a:t>
+            </a:r>
+            <a:r>
+              <a:rPr lang="de-DE" dirty="0"/>
+              <a:t> </a:t>
+            </a:r>
+            <a:r>
+              <a:rPr lang="de-DE" dirty="0" err="1"/>
+              <a:t>Algorithm</a:t>
+            </a:r>
+            <a:endParaRPr lang="de-DE" dirty="0"/>
+          </a:p>
+        </p:txBody>
+      </p:sp>
+      <p:sp>
+        <p:nvSpPr>
+          <p:cNvPr id="3" name="Inhaltsplatzhalter 2"/>
           <p:cNvSpPr>
             <a:spLocks noGrp="1"/>
           </p:cNvSpPr>
@@ -8660,107 +7425,138 @@
         </p:nvSpPr>
         <p:spPr/>
         <p:txBody>
-          <a:bodyPr>
-            <a:normAutofit fontScale="62500" lnSpcReduction="20000"/>
-          </a:bodyPr>
-          <a:lstStyle/>
-          <a:p>
-            <a:r>
-              <a:rPr lang="en-US" strike="sngStrike" dirty="0">
-                <a:solidFill>
-                  <a:srgbClr val="FF0000"/>
-                </a:solidFill>
-              </a:rPr>
-              <a:t>Order</a:t>
-            </a:r>
-          </a:p>
-          <a:p>
-            <a:r>
-              <a:rPr lang="en-US" strike="sngStrike" dirty="0">
-                <a:solidFill>
-                  <a:srgbClr val="FF0000"/>
-                </a:solidFill>
-              </a:rPr>
-              <a:t>Execution</a:t>
-            </a:r>
-          </a:p>
-          <a:p>
-            <a:r>
-              <a:rPr lang="en-US" strike="sngStrike" dirty="0">
-                <a:solidFill>
-                  <a:srgbClr val="FF0000"/>
-                </a:solidFill>
-              </a:rPr>
-              <a:t>Stock universe</a:t>
-            </a:r>
-          </a:p>
-          <a:p>
-            <a:r>
-              <a:rPr lang="en-US" strike="sngStrike" dirty="0">
-                <a:solidFill>
-                  <a:srgbClr val="FF0000"/>
-                </a:solidFill>
-              </a:rPr>
-              <a:t>Lot size</a:t>
-            </a:r>
-          </a:p>
-          <a:p>
-            <a:r>
-              <a:rPr lang="en-US" strike="sngStrike" dirty="0">
-                <a:solidFill>
-                  <a:srgbClr val="FF0000"/>
-                </a:solidFill>
-              </a:rPr>
-              <a:t>Tick size</a:t>
-            </a:r>
-          </a:p>
-          <a:p>
-            <a:r>
-              <a:rPr lang="en-US" strike="sngStrike" dirty="0">
-                <a:solidFill>
-                  <a:srgbClr val="FF0000"/>
-                </a:solidFill>
-              </a:rPr>
-              <a:t>Trading schedule</a:t>
-            </a:r>
-          </a:p>
-          <a:p>
-            <a:r>
-              <a:rPr lang="en-US" dirty="0"/>
-              <a:t>Matching mechanisms</a:t>
-            </a:r>
-          </a:p>
-          <a:p>
-            <a:r>
-              <a:rPr lang="en-US" dirty="0"/>
-              <a:t>Stock data publishing</a:t>
-            </a:r>
-          </a:p>
-          <a:p>
-            <a:r>
-              <a:rPr lang="en-US" dirty="0"/>
-              <a:t>Order and execution reporting</a:t>
-            </a:r>
-          </a:p>
-          <a:p>
-            <a:r>
-              <a:rPr lang="en-US" strike="sngStrike" dirty="0">
-                <a:solidFill>
-                  <a:srgbClr val="FF0000"/>
-                </a:solidFill>
-              </a:rPr>
-              <a:t>Exchange members</a:t>
-            </a:r>
-          </a:p>
-          <a:p>
-            <a:endParaRPr lang="en-US" dirty="0"/>
+          <a:bodyPr/>
+          <a:lstStyle/>
+          <a:p>
+            <a:r>
+              <a:rPr lang="de-DE" dirty="0"/>
+              <a:t>Pro </a:t>
+            </a:r>
+            <a:r>
+              <a:rPr lang="de-DE" dirty="0" err="1"/>
+              <a:t>Rata</a:t>
+            </a:r>
+            <a:r>
+              <a:rPr lang="de-DE" dirty="0"/>
+              <a:t> </a:t>
+            </a:r>
+            <a:r>
+              <a:rPr lang="de-DE" dirty="0" err="1"/>
+              <a:t>Algorithm</a:t>
+            </a:r>
+            <a:endParaRPr lang="de-DE" dirty="0"/>
+          </a:p>
+          <a:p>
+            <a:r>
+              <a:rPr lang="de-DE" dirty="0" err="1"/>
+              <a:t>Considers</a:t>
+            </a:r>
+            <a:r>
+              <a:rPr lang="de-DE" dirty="0"/>
+              <a:t> </a:t>
+            </a:r>
+            <a:r>
+              <a:rPr lang="de-DE" dirty="0" err="1"/>
+              <a:t>the</a:t>
+            </a:r>
+            <a:r>
+              <a:rPr lang="de-DE" dirty="0"/>
+              <a:t> </a:t>
+            </a:r>
+            <a:r>
+              <a:rPr lang="de-DE" dirty="0" err="1"/>
+              <a:t>percentage</a:t>
+            </a:r>
+            <a:r>
+              <a:rPr lang="de-DE" dirty="0"/>
+              <a:t> </a:t>
+            </a:r>
+            <a:r>
+              <a:rPr lang="de-DE" dirty="0" err="1"/>
+              <a:t>one</a:t>
+            </a:r>
+            <a:r>
+              <a:rPr lang="de-DE" dirty="0"/>
+              <a:t> </a:t>
+            </a:r>
+            <a:r>
+              <a:rPr lang="de-DE" dirty="0" err="1"/>
+              <a:t>holds</a:t>
+            </a:r>
+            <a:r>
+              <a:rPr lang="de-DE" dirty="0"/>
+              <a:t> </a:t>
+            </a:r>
+            <a:r>
+              <a:rPr lang="de-DE" dirty="0" err="1"/>
+              <a:t>of</a:t>
+            </a:r>
+            <a:r>
+              <a:rPr lang="de-DE" dirty="0"/>
+              <a:t> </a:t>
+            </a:r>
+            <a:r>
+              <a:rPr lang="de-DE" dirty="0" err="1"/>
+              <a:t>the</a:t>
+            </a:r>
+            <a:r>
+              <a:rPr lang="de-DE" dirty="0"/>
+              <a:t> total </a:t>
+            </a:r>
+            <a:r>
+              <a:rPr lang="de-DE" dirty="0" err="1"/>
+              <a:t>amount</a:t>
+            </a:r>
+            <a:r>
+              <a:rPr lang="de-DE" dirty="0"/>
+              <a:t> </a:t>
+            </a:r>
+            <a:r>
+              <a:rPr lang="de-DE" dirty="0" err="1"/>
+              <a:t>of</a:t>
+            </a:r>
+            <a:r>
+              <a:rPr lang="de-DE" dirty="0"/>
+              <a:t> </a:t>
+            </a:r>
+            <a:r>
+              <a:rPr lang="de-DE" dirty="0" err="1"/>
+              <a:t>shares</a:t>
+            </a:r>
+            <a:endParaRPr lang="de-DE" dirty="0"/>
+          </a:p>
+          <a:p>
+            <a:r>
+              <a:rPr lang="de-DE" dirty="0" err="1"/>
+              <a:t>Weighted</a:t>
+            </a:r>
+            <a:r>
+              <a:rPr lang="de-DE" dirty="0"/>
+              <a:t> </a:t>
+            </a:r>
+            <a:r>
+              <a:rPr lang="de-DE" dirty="0" err="1"/>
+              <a:t>according</a:t>
+            </a:r>
+            <a:r>
+              <a:rPr lang="de-DE" dirty="0"/>
+              <a:t> </a:t>
+            </a:r>
+            <a:r>
+              <a:rPr lang="de-DE" dirty="0" err="1"/>
+              <a:t>to</a:t>
+            </a:r>
+            <a:r>
+              <a:rPr lang="de-DE" dirty="0"/>
+              <a:t> time</a:t>
+            </a:r>
           </a:p>
         </p:txBody>
       </p:sp>
     </p:spTree>
     <p:extLst>
       <p:ext uri="{BB962C8B-B14F-4D97-AF65-F5344CB8AC3E}">
-        <p14:creationId xmlns:p14="http://schemas.microsoft.com/office/powerpoint/2010/main" val="493379497"/>
+        <p14:creationId xmlns:p14="http://schemas.microsoft.com/office/powerpoint/2010/main" val="3663555303"/>
       </p:ext>
     </p:extLst>
   </p:cSld>
@@ -8789,7 +7585,7 @@
       </p:grpSpPr>
       <p:sp>
         <p:nvSpPr>
-          <p:cNvPr id="2" name="Title 1"/>
+          <p:cNvPr id="2" name="Titel 1"/>
           <p:cNvSpPr>
             <a:spLocks noGrp="1"/>
           </p:cNvSpPr>
@@ -8799,21 +7595,28 @@
         </p:nvSpPr>
         <p:spPr/>
         <p:txBody>
-          <a:bodyPr>
-            <a:normAutofit/>
-          </a:bodyPr>
-          <a:lstStyle/>
-          <a:p>
-            <a:r>
-              <a:rPr lang="en-US" sz="3200" dirty="0"/>
-              <a:t>Functional Requirements</a:t>
-            </a:r>
-          </a:p>
-        </p:txBody>
-      </p:sp>
-      <p:sp>
-        <p:nvSpPr>
-          <p:cNvPr id="3" name="Content Placeholder 2"/>
+          <a:bodyPr/>
+          <a:lstStyle/>
+          <a:p>
+            <a:r>
+              <a:rPr lang="de-DE" dirty="0" err="1"/>
+              <a:t>Matching</a:t>
+            </a:r>
+            <a:r>
+              <a:rPr lang="de-DE" dirty="0"/>
+              <a:t> </a:t>
+            </a:r>
+            <a:r>
+              <a:rPr lang="de-DE" dirty="0" err="1"/>
+              <a:t>Algorithm</a:t>
+            </a:r>
+            <a:endParaRPr lang="de-DE" dirty="0"/>
+          </a:p>
+        </p:txBody>
+      </p:sp>
+      <p:sp>
+        <p:nvSpPr>
+          <p:cNvPr id="3" name="Inhaltsplatzhalter 2"/>
           <p:cNvSpPr>
             <a:spLocks noGrp="1"/>
           </p:cNvSpPr>
@@ -8823,77 +7626,134 @@
         </p:nvSpPr>
         <p:spPr/>
         <p:txBody>
-          <a:bodyPr>
-            <a:normAutofit fontScale="92500" lnSpcReduction="10000"/>
-          </a:bodyPr>
-          <a:lstStyle/>
-          <a:p>
-            <a:pPr lvl="1"/>
-            <a:r>
-              <a:rPr lang="en-US" strike="sngStrike" dirty="0">
-                <a:solidFill>
-                  <a:srgbClr val="FF0000"/>
-                </a:solidFill>
-              </a:rPr>
-              <a:t>Preload a universe of well defined stocks</a:t>
-            </a:r>
-          </a:p>
-          <a:p>
-            <a:pPr lvl="1"/>
-            <a:r>
-              <a:rPr lang="en-US" dirty="0"/>
-              <a:t>Publish tradable stock list to members</a:t>
-            </a:r>
-          </a:p>
-          <a:p>
-            <a:pPr lvl="1"/>
-            <a:r>
-              <a:rPr lang="en-US" strike="sngStrike" dirty="0">
-                <a:solidFill>
-                  <a:srgbClr val="FF0000"/>
-                </a:solidFill>
-              </a:rPr>
-              <a:t>System must have rules to ensure that orders will not be over executed, should be within price range of the original order.   </a:t>
-            </a:r>
-          </a:p>
-          <a:p>
-            <a:pPr lvl="1"/>
-            <a:r>
-              <a:rPr lang="en-US" strike="sngStrike" dirty="0">
-                <a:solidFill>
-                  <a:srgbClr val="FF0000"/>
-                </a:solidFill>
-              </a:rPr>
-              <a:t>All transaction records must be kept for future query.</a:t>
-            </a:r>
-          </a:p>
-          <a:p>
-            <a:pPr lvl="1"/>
-            <a:r>
-              <a:rPr lang="en-US" strike="sngStrike" dirty="0">
-                <a:solidFill>
-                  <a:srgbClr val="FF0000"/>
-                </a:solidFill>
-              </a:rPr>
-              <a:t>Calculate open price accurately.</a:t>
-            </a:r>
-          </a:p>
-          <a:p>
-            <a:pPr lvl="1"/>
-            <a:r>
-              <a:rPr lang="en-US" dirty="0"/>
-              <a:t>Has knowledge of the price of stock got executed last time, last trading day’s close price of each stock</a:t>
-            </a:r>
-          </a:p>
-          <a:p>
-            <a:endParaRPr lang="en-US" dirty="0"/>
+          <a:bodyPr/>
+          <a:lstStyle/>
+          <a:p>
+            <a:r>
+              <a:rPr lang="de-DE" dirty="0"/>
+              <a:t>Input: </a:t>
+            </a:r>
+            <a:r>
+              <a:rPr lang="de-DE" dirty="0" err="1"/>
+              <a:t>two</a:t>
+            </a:r>
+            <a:r>
+              <a:rPr lang="de-DE" dirty="0"/>
+              <a:t> </a:t>
+            </a:r>
+            <a:r>
+              <a:rPr lang="de-DE" dirty="0" err="1"/>
+              <a:t>lists</a:t>
+            </a:r>
+            <a:r>
+              <a:rPr lang="de-DE" dirty="0"/>
+              <a:t>; </a:t>
+            </a:r>
+            <a:r>
+              <a:rPr lang="de-DE" dirty="0" err="1"/>
+              <a:t>buyer</a:t>
+            </a:r>
+            <a:r>
+              <a:rPr lang="de-DE" dirty="0"/>
+              <a:t> </a:t>
+            </a:r>
+            <a:r>
+              <a:rPr lang="de-DE" dirty="0" err="1"/>
+              <a:t>and</a:t>
+            </a:r>
+            <a:r>
+              <a:rPr lang="de-DE" dirty="0"/>
+              <a:t> </a:t>
+            </a:r>
+            <a:r>
+              <a:rPr lang="de-DE" dirty="0" err="1"/>
+              <a:t>seller</a:t>
+            </a:r>
+            <a:endParaRPr lang="de-DE" dirty="0"/>
+          </a:p>
+          <a:p>
+            <a:r>
+              <a:rPr lang="de-DE" dirty="0"/>
+              <a:t>Outputs a </a:t>
+            </a:r>
+            <a:r>
+              <a:rPr lang="de-DE" dirty="0" err="1"/>
+              <a:t>matrix</a:t>
+            </a:r>
+            <a:r>
+              <a:rPr lang="de-DE" dirty="0"/>
+              <a:t> </a:t>
+            </a:r>
+            <a:r>
+              <a:rPr lang="de-DE" dirty="0" err="1"/>
+              <a:t>buyer</a:t>
+            </a:r>
+            <a:r>
+              <a:rPr lang="de-DE" dirty="0"/>
+              <a:t> x </a:t>
+            </a:r>
+            <a:r>
+              <a:rPr lang="de-DE" dirty="0" err="1"/>
+              <a:t>seller</a:t>
+            </a:r>
+            <a:endParaRPr lang="de-DE" dirty="0"/>
+          </a:p>
+          <a:p>
+            <a:r>
+              <a:rPr lang="de-DE" dirty="0" err="1"/>
+              <a:t>Contains</a:t>
+            </a:r>
+            <a:r>
+              <a:rPr lang="de-DE" dirty="0"/>
+              <a:t> </a:t>
+            </a:r>
+            <a:r>
+              <a:rPr lang="de-DE" dirty="0" err="1"/>
+              <a:t>the</a:t>
+            </a:r>
+            <a:r>
+              <a:rPr lang="de-DE" dirty="0"/>
+              <a:t> </a:t>
+            </a:r>
+            <a:r>
+              <a:rPr lang="de-DE" dirty="0" err="1"/>
+              <a:t>shares</a:t>
+            </a:r>
+            <a:r>
+              <a:rPr lang="de-DE" dirty="0"/>
+              <a:t> </a:t>
+            </a:r>
+            <a:r>
+              <a:rPr lang="de-DE" dirty="0" err="1"/>
+              <a:t>which</a:t>
+            </a:r>
+            <a:r>
+              <a:rPr lang="de-DE" dirty="0"/>
+              <a:t> </a:t>
+            </a:r>
+            <a:r>
+              <a:rPr lang="de-DE" dirty="0" err="1"/>
+              <a:t>are</a:t>
+            </a:r>
+            <a:r>
+              <a:rPr lang="de-DE" dirty="0"/>
+              <a:t> </a:t>
+            </a:r>
+            <a:r>
+              <a:rPr lang="de-DE" dirty="0" err="1"/>
+              <a:t>traded</a:t>
+            </a:r>
+            <a:r>
+              <a:rPr lang="de-DE" dirty="0"/>
+              <a:t> </a:t>
+            </a:r>
           </a:p>
         </p:txBody>
       </p:sp>
     </p:spTree>
     <p:extLst>
       <p:ext uri="{BB962C8B-B14F-4D97-AF65-F5344CB8AC3E}">
-        <p14:creationId xmlns:p14="http://schemas.microsoft.com/office/powerpoint/2010/main" val="689345592"/>
+        <p14:creationId xmlns:p14="http://schemas.microsoft.com/office/powerpoint/2010/main" val="2980640408"/>
       </p:ext>
     </p:extLst>
   </p:cSld>
@@ -8957,58 +7817,71 @@
         <p:spPr/>
         <p:txBody>
           <a:bodyPr>
-            <a:normAutofit fontScale="92500" lnSpcReduction="10000"/>
+            <a:normAutofit fontScale="62500" lnSpcReduction="20000"/>
           </a:bodyPr>
           <a:lstStyle/>
           <a:p>
-            <a:pPr lvl="1"/>
+            <a:r>
+              <a:rPr lang="en-US" strike="sngStrike" dirty="0"/>
+              <a:t>Order</a:t>
+            </a:r>
+          </a:p>
+          <a:p>
+            <a:r>
+              <a:rPr lang="en-US" strike="sngStrike" dirty="0"/>
+              <a:t>Execution</a:t>
+            </a:r>
+          </a:p>
+          <a:p>
+            <a:r>
+              <a:rPr lang="en-US" strike="sngStrike" dirty="0"/>
+              <a:t>Stock universe</a:t>
+            </a:r>
+          </a:p>
+          <a:p>
+            <a:r>
+              <a:rPr lang="en-US" strike="sngStrike" dirty="0"/>
+              <a:t>Lot size</a:t>
+            </a:r>
+          </a:p>
+          <a:p>
+            <a:r>
+              <a:rPr lang="en-US" strike="sngStrike" dirty="0"/>
+              <a:t>Tick size</a:t>
+            </a:r>
+          </a:p>
+          <a:p>
+            <a:r>
+              <a:rPr lang="en-US" strike="sngStrike" dirty="0"/>
+              <a:t>Trading schedule</a:t>
+            </a:r>
+          </a:p>
+          <a:p>
             <a:r>
               <a:rPr lang="en-US" strike="sngStrike" dirty="0">
                 <a:solidFill>
                   <a:srgbClr val="FF0000"/>
                 </a:solidFill>
               </a:rPr>
-              <a:t>Accept orders with price in proper range, which means 10% away from last price.  Reject the rest orders with reason</a:t>
-            </a:r>
-          </a:p>
-          <a:p>
-            <a:pPr lvl="1"/>
-            <a:r>
-              <a:rPr lang="en-US" strike="sngStrike" dirty="0">
-                <a:solidFill>
-                  <a:srgbClr val="FF0000"/>
-                </a:solidFill>
-              </a:rPr>
-              <a:t>Accept orders with notional value in proper range, which means within 20% of total tradable value of the target stock</a:t>
-            </a:r>
-          </a:p>
-          <a:p>
-            <a:pPr lvl="1"/>
-            <a:r>
-              <a:rPr lang="en-US" strike="sngStrike" dirty="0">
-                <a:solidFill>
-                  <a:srgbClr val="FF0000"/>
-                </a:solidFill>
-              </a:rPr>
-              <a:t>Accept orders during auction, normal trading session.  Reject orders after close, before open.</a:t>
-            </a:r>
-          </a:p>
-          <a:p>
-            <a:pPr lvl="1"/>
-            <a:r>
-              <a:rPr lang="en-US" dirty="0"/>
-              <a:t>All communications should based on FIX4.2</a:t>
-            </a:r>
-          </a:p>
-          <a:p>
-            <a:pPr lvl="1"/>
-            <a:r>
-              <a:rPr lang="en-US" strike="sngStrike" dirty="0">
-                <a:solidFill>
-                  <a:srgbClr val="FF0000"/>
-                </a:solidFill>
-              </a:rPr>
-              <a:t>Trading schedule should be configurable. For example, auction could start from 11:00am when required</a:t>
+              <a:t>Matching mechanisms</a:t>
+            </a:r>
+          </a:p>
+          <a:p>
+            <a:r>
+              <a:rPr lang="en-US" strike="sngStrike" dirty="0"/>
+              <a:t>Stock data publishing</a:t>
+            </a:r>
+          </a:p>
+          <a:p>
+            <a:r>
+              <a:rPr lang="en-US" strike="sngStrike" dirty="0"/>
+              <a:t>Order and execution reporting</a:t>
+            </a:r>
+          </a:p>
+          <a:p>
+            <a:r>
+              <a:rPr lang="en-US" strike="sngStrike" dirty="0"/>
+              <a:t>Exchange members</a:t>
             </a:r>
           </a:p>
           <a:p>
@@ -9019,7 +7892,7 @@
     </p:spTree>
     <p:extLst>
       <p:ext uri="{BB962C8B-B14F-4D97-AF65-F5344CB8AC3E}">
-        <p14:creationId xmlns:p14="http://schemas.microsoft.com/office/powerpoint/2010/main" val="345684855"/>
+        <p14:creationId xmlns:p14="http://schemas.microsoft.com/office/powerpoint/2010/main" val="1488671296"/>
       </p:ext>
     </p:extLst>
   </p:cSld>
@@ -9065,7 +7938,7 @@
           <a:p>
             <a:r>
               <a:rPr lang="en-US" sz="3200" dirty="0"/>
-              <a:t>Non-functional Requirements</a:t>
+              <a:t>Functional Requirements</a:t>
             </a:r>
           </a:p>
         </p:txBody>
@@ -9083,80 +7956,53 @@
         <p:spPr/>
         <p:txBody>
           <a:bodyPr>
-            <a:normAutofit fontScale="70000" lnSpcReduction="20000"/>
+            <a:normAutofit fontScale="92500" lnSpcReduction="10000"/>
           </a:bodyPr>
           <a:lstStyle/>
           <a:p>
             <a:pPr lvl="1"/>
             <a:r>
+              <a:rPr lang="en-US" strike="sngStrike" dirty="0"/>
+              <a:t>Preload a universe of well defined stocks</a:t>
+            </a:r>
+          </a:p>
+          <a:p>
+            <a:pPr lvl="1"/>
+            <a:r>
               <a:rPr lang="en-US" strike="sngStrike" dirty="0">
                 <a:solidFill>
                   <a:srgbClr val="FF0000"/>
                 </a:solidFill>
               </a:rPr>
-              <a:t>Scalability: have multiple instances of the system running, sharing each other’s work load</a:t>
+              <a:t>Publish tradable stock list to members</a:t>
             </a:r>
           </a:p>
           <a:p>
             <a:pPr lvl="1"/>
             <a:r>
-              <a:rPr lang="en-US" strike="sngStrike" dirty="0">
-                <a:solidFill>
-                  <a:srgbClr val="FF0000"/>
-                </a:solidFill>
-              </a:rPr>
-              <a:t>System must have authentication and authorization mechanism, administrator and operator have different permission to view the order books. </a:t>
+              <a:rPr lang="en-US" strike="sngStrike" dirty="0"/>
+              <a:t>System must have rules to ensure that orders will not be over executed, should be within price range of the original order.   </a:t>
             </a:r>
           </a:p>
           <a:p>
             <a:pPr lvl="1"/>
             <a:r>
-              <a:rPr lang="en-US" strike="sngStrike" dirty="0">
-                <a:solidFill>
-                  <a:srgbClr val="FF0000"/>
-                </a:solidFill>
-              </a:rPr>
-              <a:t>When system goes down un-expectantly (process crash, machine failure, lose of power), after restart it needs to remember current order book details.</a:t>
+              <a:rPr lang="en-US" strike="sngStrike" dirty="0"/>
+              <a:t>All transaction records must be kept for future query.</a:t>
             </a:r>
           </a:p>
           <a:p>
             <a:pPr lvl="1"/>
             <a:r>
-              <a:rPr lang="en-US" dirty="0"/>
-              <a:t>Has GUI tool could switch stocks to “on hold” mode , means not tradable, publish “on hold” message to exchange members, and switch back to normal trading mode.  This function should limited to “administrator”.</a:t>
+              <a:rPr lang="en-US" strike="sngStrike" dirty="0"/>
+              <a:t>Calculate open price accurately.</a:t>
             </a:r>
           </a:p>
           <a:p>
             <a:pPr lvl="1"/>
             <a:r>
-              <a:rPr lang="en-US" strike="sngStrike" dirty="0">
-                <a:solidFill>
-                  <a:srgbClr val="FF0000"/>
-                </a:solidFill>
-              </a:rPr>
-              <a:t>Provide “stop execution” function.</a:t>
-            </a:r>
-          </a:p>
-          <a:p>
-            <a:pPr lvl="1"/>
-            <a:r>
-              <a:rPr lang="en-US" strike="sngStrike" dirty="0">
-                <a:solidFill>
-                  <a:srgbClr val="FF0000"/>
-                </a:solidFill>
-              </a:rPr>
-              <a:t>Provide “special auction” function for specific stocks when buy or sell pressure is unbalanced, with breach of price limit.</a:t>
-            </a:r>
-          </a:p>
-          <a:p>
-            <a:pPr lvl="1"/>
-            <a:r>
-              <a:rPr lang="en-US" strike="sngStrike" dirty="0">
-                <a:solidFill>
-                  <a:srgbClr val="FF0000"/>
-                </a:solidFill>
-              </a:rPr>
-              <a:t>Provide pre-defined stock universe data publish based on request</a:t>
+              <a:rPr lang="en-US" strike="sngStrike" dirty="0"/>
+              <a:t>Has knowledge of the price of stock got executed last time, last trading day’s close price of each stock</a:t>
             </a:r>
           </a:p>
           <a:p>
@@ -9167,7 +8013,7 @@
     </p:spTree>
     <p:extLst>
       <p:ext uri="{BB962C8B-B14F-4D97-AF65-F5344CB8AC3E}">
-        <p14:creationId xmlns:p14="http://schemas.microsoft.com/office/powerpoint/2010/main" val="2271011307"/>
+        <p14:creationId xmlns:p14="http://schemas.microsoft.com/office/powerpoint/2010/main" val="3160769894"/>
       </p:ext>
     </p:extLst>
   </p:cSld>
@@ -9196,7 +8042,7 @@
       </p:grpSpPr>
       <p:sp>
         <p:nvSpPr>
-          <p:cNvPr id="2" name="Titel 1"/>
+          <p:cNvPr id="2" name="Title 1"/>
           <p:cNvSpPr>
             <a:spLocks noGrp="1"/>
           </p:cNvSpPr>
@@ -9206,19 +8052,21 @@
         </p:nvSpPr>
         <p:spPr/>
         <p:txBody>
-          <a:bodyPr/>
-          <a:lstStyle/>
-          <a:p>
-            <a:r>
-              <a:rPr lang="de-DE" dirty="0"/>
-              <a:t>Communication</a:t>
-            </a:r>
-          </a:p>
-        </p:txBody>
-      </p:sp>
-      <p:sp>
-        <p:nvSpPr>
-          <p:cNvPr id="3" name="Inhaltsplatzhalter 2"/>
+          <a:bodyPr>
+            <a:normAutofit/>
+          </a:bodyPr>
+          <a:lstStyle/>
+          <a:p>
+            <a:r>
+              <a:rPr lang="en-US" sz="3200" dirty="0"/>
+              <a:t>Functional Requirements</a:t>
+            </a:r>
+          </a:p>
+        </p:txBody>
+      </p:sp>
+      <p:sp>
+        <p:nvSpPr>
+          <p:cNvPr id="3" name="Content Placeholder 2"/>
           <p:cNvSpPr>
             <a:spLocks noGrp="1"/>
           </p:cNvSpPr>
@@ -9228,17 +8076,58 @@
         </p:nvSpPr>
         <p:spPr/>
         <p:txBody>
-          <a:bodyPr/>
-          <a:lstStyle/>
-          <a:p>
-            <a:endParaRPr lang="de-DE"/>
+          <a:bodyPr>
+            <a:normAutofit fontScale="92500" lnSpcReduction="10000"/>
+          </a:bodyPr>
+          <a:lstStyle/>
+          <a:p>
+            <a:pPr lvl="1"/>
+            <a:r>
+              <a:rPr lang="en-US" strike="sngStrike" dirty="0"/>
+              <a:t>Accept orders with price in proper range, which means 10% away from last price.  Reject the rest orders with reason</a:t>
+            </a:r>
+          </a:p>
+          <a:p>
+            <a:pPr lvl="1"/>
+            <a:r>
+              <a:rPr lang="en-US" strike="sngStrike" dirty="0"/>
+              <a:t>Accept orders with notional value in proper range, which means within 20% of total tradable value of the target stock</a:t>
+            </a:r>
+          </a:p>
+          <a:p>
+            <a:pPr lvl="1"/>
+            <a:r>
+              <a:rPr lang="en-US" strike="sngStrike" dirty="0"/>
+              <a:t>Accept orders during auction, normal trading session.  Reject orders after close, before open.</a:t>
+            </a:r>
+          </a:p>
+          <a:p>
+            <a:pPr lvl="1"/>
+            <a:r>
+              <a:rPr lang="en-US" strike="sngStrike" dirty="0">
+                <a:solidFill>
+                  <a:srgbClr val="FF0000"/>
+                </a:solidFill>
+              </a:rPr>
+              <a:t>All communications should based on FIX4.2</a:t>
+            </a:r>
+          </a:p>
+          <a:p>
+            <a:pPr lvl="1"/>
+            <a:r>
+              <a:rPr lang="en-US" strike="sngStrike" dirty="0"/>
+              <a:t>Trading schedule should be configurable. For example, auction could start from 11:00am when required</a:t>
+            </a:r>
+          </a:p>
+          <a:p>
+            <a:endParaRPr lang="en-US" dirty="0"/>
           </a:p>
         </p:txBody>
       </p:sp>
     </p:spTree>
     <p:extLst>
       <p:ext uri="{BB962C8B-B14F-4D97-AF65-F5344CB8AC3E}">
-        <p14:creationId xmlns:p14="http://schemas.microsoft.com/office/powerpoint/2010/main" val="3135957123"/>
+        <p14:creationId xmlns:p14="http://schemas.microsoft.com/office/powerpoint/2010/main" val="921968368"/>
       </p:ext>
     </p:extLst>
   </p:cSld>

--- a/presentations/ExchangeSimulator2.pptx
+++ b/presentations/ExchangeSimulator2.pptx
@@ -6884,33 +6884,41 @@
           <a:p>
             <a:pPr lvl="1"/>
             <a:r>
+              <a:rPr lang="en-US" dirty="0">
+                <a:solidFill>
+                  <a:srgbClr val="002060"/>
+                </a:solidFill>
+              </a:rPr>
+              <a:t>Scalability: have multiple instances of the system running, sharing each other’s work load</a:t>
+            </a:r>
+          </a:p>
+          <a:p>
+            <a:pPr lvl="1"/>
+            <a:r>
+              <a:rPr lang="en-US" dirty="0"/>
+              <a:t>System must have authentication and authorization mechanism, administrator and operator have different permission to view the order books. </a:t>
+            </a:r>
+          </a:p>
+          <a:p>
+            <a:pPr lvl="1"/>
+            <a:r>
+              <a:rPr lang="en-US" dirty="0"/>
+              <a:t>When system goes down un-expectantly (process crash, machine failure, lose of power), after restart it needs to remember current order book details.</a:t>
+            </a:r>
+          </a:p>
+          <a:p>
+            <a:pPr lvl="1"/>
+            <a:r>
               <a:rPr lang="en-US" strike="sngStrike" dirty="0"/>
-              <a:t>Scalability: have multiple instances of the system running, sharing each other’s work load</a:t>
-            </a:r>
-          </a:p>
-          <a:p>
-            <a:pPr lvl="1"/>
-            <a:r>
-              <a:rPr lang="en-US" strike="sngStrike" dirty="0"/>
-              <a:t>System must have authentication and authorization mechanism, administrator and operator have different permission to view the order books. </a:t>
-            </a:r>
-          </a:p>
-          <a:p>
-            <a:pPr lvl="1"/>
-            <a:r>
-              <a:rPr lang="en-US" strike="sngStrike" dirty="0"/>
-              <a:t>When system goes down un-expectantly (process crash, machine failure, lose of power), after restart it needs to remember current order book details.</a:t>
-            </a:r>
-          </a:p>
-          <a:p>
-            <a:pPr lvl="1"/>
+              <a:t>Has GUI tool could switch stocks to “on hold” mode , means not tradable, publish “on hold” message to exchange members, and switch back to normal trading mode.  This function should limited to “administrator</a:t>
+            </a:r>
             <a:r>
               <a:rPr lang="en-US" strike="sngStrike" dirty="0">
                 <a:solidFill>
                   <a:srgbClr val="FF0000"/>
                 </a:solidFill>
               </a:rPr>
-              <a:t>Has GUI tool could switch stocks to “on hold” mode , means not tradable, publish “on hold” message to exchange members, and switch back to normal trading mode.  This function should limited to “administrator”.</a:t>
+              <a:t>”.</a:t>
             </a:r>
           </a:p>
           <a:p>
@@ -6930,7 +6938,7 @@
           <a:p>
             <a:pPr lvl="1"/>
             <a:r>
-              <a:rPr lang="en-US" strike="sngStrike" dirty="0"/>
+              <a:rPr lang="en-US" dirty="0"/>
               <a:t>Provide pre-defined stock universe data publish based on request</a:t>
             </a:r>
           </a:p>
@@ -7177,12 +7185,8 @@
           </a:p>
           <a:p>
             <a:r>
-              <a:rPr lang="de-DE"/>
-              <a:t>Requirement</a:t>
-            </a:r>
-            <a:r>
-              <a:rPr lang="de-DE"/>
-              <a:t>s</a:t>
+              <a:rPr lang="de-DE" dirty="0" err="1"/>
+              <a:t>Requirements</a:t>
             </a:r>
             <a:endParaRPr lang="de-DE" dirty="0"/>
           </a:p>
@@ -7325,33 +7329,38 @@
           </a:p>
         </p:txBody>
       </p:sp>
-      <p:sp>
-        <p:nvSpPr>
-          <p:cNvPr id="3" name="Inhaltsplatzhalter 2"/>
-          <p:cNvSpPr>
-            <a:spLocks noGrp="1"/>
-          </p:cNvSpPr>
+      <p:pic>
+        <p:nvPicPr>
+          <p:cNvPr id="4" name="Inhaltsplatzhalter 3"/>
+          <p:cNvPicPr>
+            <a:picLocks noGrp="1" noChangeAspect="1"/>
+          </p:cNvPicPr>
           <p:nvPr>
             <p:ph idx="1"/>
           </p:nvPr>
-        </p:nvSpPr>
-        <p:spPr/>
-        <p:txBody>
-          <a:bodyPr/>
-          <a:lstStyle/>
-          <a:p>
-            <a:r>
-              <a:rPr lang="de-DE" dirty="0"/>
-              <a:t>See </a:t>
-            </a:r>
-            <a:r>
-              <a:rPr lang="de-DE" dirty="0" err="1"/>
-              <a:t>editor</a:t>
-            </a:r>
-            <a:endParaRPr lang="de-DE" dirty="0"/>
-          </a:p>
-        </p:txBody>
-      </p:sp>
+        </p:nvPicPr>
+        <p:blipFill>
+          <a:blip r:embed="rId2">
+            <a:extLst>
+              <a:ext uri="{28A0092B-C50C-407E-A947-70E740481C1C}">
+                <a14:useLocalDpi xmlns:a14="http://schemas.microsoft.com/office/drawing/2010/main" val="0"/>
+              </a:ext>
+              <a:ext uri="{96DAC541-7B7A-43D3-8B79-37D633B846F1}">
+                <asvg:svgBlip xmlns:asvg="http://schemas.microsoft.com/office/drawing/2016/SVG/main" r:embed="rId3"/>
+              </a:ext>
+            </a:extLst>
+          </a:blip>
+          <a:stretch>
+            <a:fillRect/>
+          </a:stretch>
+        </p:blipFill>
+        <p:spPr>
+          <a:xfrm>
+            <a:off x="3673095" y="1867513"/>
+            <a:ext cx="5641144" cy="4788138"/>
+          </a:xfrm>
+        </p:spPr>
+      </p:pic>
     </p:spTree>
     <p:extLst>
       <p:ext uri="{BB962C8B-B14F-4D97-AF65-F5344CB8AC3E}">
@@ -7822,47 +7831,43 @@
           <a:lstStyle/>
           <a:p>
             <a:r>
-              <a:rPr lang="en-US" strike="sngStrike" dirty="0"/>
+              <a:rPr lang="en-US" dirty="0"/>
               <a:t>Order</a:t>
             </a:r>
           </a:p>
           <a:p>
             <a:r>
-              <a:rPr lang="en-US" strike="sngStrike" dirty="0"/>
+              <a:rPr lang="en-US" dirty="0"/>
               <a:t>Execution</a:t>
             </a:r>
           </a:p>
           <a:p>
             <a:r>
-              <a:rPr lang="en-US" strike="sngStrike" dirty="0"/>
+              <a:rPr lang="en-US" dirty="0"/>
               <a:t>Stock universe</a:t>
             </a:r>
           </a:p>
           <a:p>
             <a:r>
-              <a:rPr lang="en-US" strike="sngStrike" dirty="0"/>
+              <a:rPr lang="en-US" dirty="0"/>
               <a:t>Lot size</a:t>
             </a:r>
           </a:p>
           <a:p>
             <a:r>
-              <a:rPr lang="en-US" strike="sngStrike" dirty="0"/>
+              <a:rPr lang="en-US" dirty="0"/>
               <a:t>Tick size</a:t>
             </a:r>
           </a:p>
           <a:p>
             <a:r>
-              <a:rPr lang="en-US" strike="sngStrike" dirty="0"/>
+              <a:rPr lang="en-US" dirty="0"/>
               <a:t>Trading schedule</a:t>
             </a:r>
           </a:p>
           <a:p>
             <a:r>
-              <a:rPr lang="en-US" strike="sngStrike" dirty="0">
-                <a:solidFill>
-                  <a:srgbClr val="FF0000"/>
-                </a:solidFill>
-              </a:rPr>
+              <a:rPr lang="en-US" dirty="0"/>
               <a:t>Matching mechanisms</a:t>
             </a:r>
           </a:p>
@@ -7874,13 +7879,13 @@
           </a:p>
           <a:p>
             <a:r>
-              <a:rPr lang="en-US" strike="sngStrike" dirty="0"/>
+              <a:rPr lang="en-US" dirty="0"/>
               <a:t>Order and execution reporting</a:t>
             </a:r>
           </a:p>
           <a:p>
             <a:r>
-              <a:rPr lang="en-US" strike="sngStrike" dirty="0"/>
+              <a:rPr lang="en-US" dirty="0"/>
               <a:t>Exchange members</a:t>
             </a:r>
           </a:p>
@@ -7962,46 +7967,50 @@
           <a:p>
             <a:pPr lvl="1"/>
             <a:r>
+              <a:rPr lang="en-US" dirty="0"/>
+              <a:t>Preload a universe of well defined stocks</a:t>
+            </a:r>
+          </a:p>
+          <a:p>
+            <a:pPr lvl="1"/>
+            <a:r>
               <a:rPr lang="en-US" strike="sngStrike" dirty="0"/>
-              <a:t>Preload a universe of well defined stocks</a:t>
+              <a:t>Publish tradable stock list to members</a:t>
             </a:r>
           </a:p>
           <a:p>
             <a:pPr lvl="1"/>
             <a:r>
-              <a:rPr lang="en-US" strike="sngStrike" dirty="0">
-                <a:solidFill>
-                  <a:srgbClr val="FF0000"/>
+              <a:rPr lang="en-US" dirty="0"/>
+              <a:t>System must have rules to ensure that orders will not be over executed, should be within price range of the original order.   </a:t>
+            </a:r>
+          </a:p>
+          <a:p>
+            <a:pPr lvl="1"/>
+            <a:r>
+              <a:rPr lang="en-US" dirty="0"/>
+              <a:t>All transaction records must be kept for future query.</a:t>
+            </a:r>
+          </a:p>
+          <a:p>
+            <a:pPr lvl="1"/>
+            <a:r>
+              <a:rPr lang="en-US" strike="sngStrike" dirty="0"/>
+              <a:t>Calculate open price accurately</a:t>
+            </a:r>
+            <a:r>
+              <a:rPr lang="en-US" dirty="0"/>
+              <a:t>.</a:t>
+            </a:r>
+          </a:p>
+          <a:p>
+            <a:pPr lvl="1"/>
+            <a:r>
+              <a:rPr lang="en-US" dirty="0">
+                <a:solidFill>
+                  <a:srgbClr val="002060"/>
                 </a:solidFill>
               </a:rPr>
-              <a:t>Publish tradable stock list to members</a:t>
-            </a:r>
-          </a:p>
-          <a:p>
-            <a:pPr lvl="1"/>
-            <a:r>
-              <a:rPr lang="en-US" strike="sngStrike" dirty="0"/>
-              <a:t>System must have rules to ensure that orders will not be over executed, should be within price range of the original order.   </a:t>
-            </a:r>
-          </a:p>
-          <a:p>
-            <a:pPr lvl="1"/>
-            <a:r>
-              <a:rPr lang="en-US" strike="sngStrike" dirty="0"/>
-              <a:t>All transaction records must be kept for future query.</a:t>
-            </a:r>
-          </a:p>
-          <a:p>
-            <a:pPr lvl="1"/>
-            <a:r>
-              <a:rPr lang="en-US" strike="sngStrike" dirty="0"/>
-              <a:t>Calculate open price accurately.</a:t>
-            </a:r>
-          </a:p>
-          <a:p>
-            <a:pPr lvl="1"/>
-            <a:r>
-              <a:rPr lang="en-US" strike="sngStrike" dirty="0"/>
               <a:t>Has knowledge of the price of stock got executed last time, last trading day’s close price of each stock</a:t>
             </a:r>
           </a:p>
@@ -8083,39 +8092,35 @@
           <a:p>
             <a:pPr lvl="1"/>
             <a:r>
-              <a:rPr lang="en-US" strike="sngStrike" dirty="0"/>
+              <a:rPr lang="en-US" dirty="0"/>
               <a:t>Accept orders with price in proper range, which means 10% away from last price.  Reject the rest orders with reason</a:t>
             </a:r>
           </a:p>
           <a:p>
             <a:pPr lvl="1"/>
             <a:r>
-              <a:rPr lang="en-US" strike="sngStrike" dirty="0"/>
+              <a:rPr lang="en-US" dirty="0"/>
               <a:t>Accept orders with notional value in proper range, which means within 20% of total tradable value of the target stock</a:t>
             </a:r>
           </a:p>
           <a:p>
             <a:pPr lvl="1"/>
             <a:r>
-              <a:rPr lang="en-US" strike="sngStrike" dirty="0"/>
+              <a:rPr lang="en-US" dirty="0"/>
               <a:t>Accept orders during auction, normal trading session.  Reject orders after close, before open.</a:t>
             </a:r>
           </a:p>
           <a:p>
             <a:pPr lvl="1"/>
             <a:r>
-              <a:rPr lang="en-US" strike="sngStrike" dirty="0">
-                <a:solidFill>
-                  <a:srgbClr val="FF0000"/>
-                </a:solidFill>
-              </a:rPr>
+              <a:rPr lang="en-US" dirty="0"/>
               <a:t>All communications should based on FIX4.2</a:t>
             </a:r>
           </a:p>
           <a:p>
             <a:pPr lvl="1"/>
             <a:r>
-              <a:rPr lang="en-US" strike="sngStrike" dirty="0"/>
+              <a:rPr lang="en-US" dirty="0"/>
               <a:t>Trading schedule should be configurable. For example, auction could start from 11:00am when required</a:t>
             </a:r>
           </a:p>
